--- a/Лекция 15.pptx
+++ b/Лекция 15.pptx
@@ -5,7 +5,7 @@
     <p:sldMasterId id="2147483648" r:id="rId1"/>
   </p:sldMasterIdLst>
   <p:notesMasterIdLst>
-    <p:notesMasterId r:id="rId34"/>
+    <p:notesMasterId r:id="rId38"/>
   </p:notesMasterIdLst>
   <p:sldIdLst>
     <p:sldId id="256" r:id="rId2"/>
@@ -36,10 +36,14 @@
     <p:sldId id="370" r:id="rId27"/>
     <p:sldId id="372" r:id="rId28"/>
     <p:sldId id="384" r:id="rId29"/>
-    <p:sldId id="373" r:id="rId30"/>
-    <p:sldId id="374" r:id="rId31"/>
-    <p:sldId id="259" r:id="rId32"/>
-    <p:sldId id="260" r:id="rId33"/>
+    <p:sldId id="385" r:id="rId30"/>
+    <p:sldId id="386" r:id="rId31"/>
+    <p:sldId id="387" r:id="rId32"/>
+    <p:sldId id="373" r:id="rId33"/>
+    <p:sldId id="388" r:id="rId34"/>
+    <p:sldId id="374" r:id="rId35"/>
+    <p:sldId id="259" r:id="rId36"/>
+    <p:sldId id="260" r:id="rId37"/>
   </p:sldIdLst>
   <p:sldSz cx="12192000" cy="6858000"/>
   <p:notesSz cx="6858000" cy="9144000"/>
@@ -240,7 +244,7 @@
           <a:p>
             <a:fld id="{44DBC884-B382-4302-8488-D4E467EB670D}" type="datetimeFigureOut">
               <a:rPr lang="ru-RU" smtClean="0"/>
-              <a:t>04.04.2022</a:t>
+              <a:t>06.04.2022</a:t>
             </a:fld>
             <a:endParaRPr lang="ru-RU" dirty="0"/>
           </a:p>
@@ -639,7 +643,7 @@
           <a:p>
             <a:fld id="{9F4DF3D0-C105-404D-A43B-7CBA1B97B744}" type="datetimeFigureOut">
               <a:rPr lang="ru-RU" smtClean="0"/>
-              <a:t>04.04.2022</a:t>
+              <a:t>06.04.2022</a:t>
             </a:fld>
             <a:endParaRPr lang="ru-RU" dirty="0"/>
           </a:p>
@@ -809,7 +813,7 @@
           <a:p>
             <a:fld id="{9F4DF3D0-C105-404D-A43B-7CBA1B97B744}" type="datetimeFigureOut">
               <a:rPr lang="ru-RU" smtClean="0"/>
-              <a:t>04.04.2022</a:t>
+              <a:t>06.04.2022</a:t>
             </a:fld>
             <a:endParaRPr lang="ru-RU" dirty="0"/>
           </a:p>
@@ -989,7 +993,7 @@
           <a:p>
             <a:fld id="{9F4DF3D0-C105-404D-A43B-7CBA1B97B744}" type="datetimeFigureOut">
               <a:rPr lang="ru-RU" smtClean="0"/>
-              <a:t>04.04.2022</a:t>
+              <a:t>06.04.2022</a:t>
             </a:fld>
             <a:endParaRPr lang="ru-RU" dirty="0"/>
           </a:p>
@@ -1159,7 +1163,7 @@
           <a:p>
             <a:fld id="{9F4DF3D0-C105-404D-A43B-7CBA1B97B744}" type="datetimeFigureOut">
               <a:rPr lang="ru-RU" smtClean="0"/>
-              <a:t>04.04.2022</a:t>
+              <a:t>06.04.2022</a:t>
             </a:fld>
             <a:endParaRPr lang="ru-RU" dirty="0"/>
           </a:p>
@@ -1405,7 +1409,7 @@
           <a:p>
             <a:fld id="{9F4DF3D0-C105-404D-A43B-7CBA1B97B744}" type="datetimeFigureOut">
               <a:rPr lang="ru-RU" smtClean="0"/>
-              <a:t>04.04.2022</a:t>
+              <a:t>06.04.2022</a:t>
             </a:fld>
             <a:endParaRPr lang="ru-RU" dirty="0"/>
           </a:p>
@@ -1637,7 +1641,7 @@
           <a:p>
             <a:fld id="{9F4DF3D0-C105-404D-A43B-7CBA1B97B744}" type="datetimeFigureOut">
               <a:rPr lang="ru-RU" smtClean="0"/>
-              <a:t>04.04.2022</a:t>
+              <a:t>06.04.2022</a:t>
             </a:fld>
             <a:endParaRPr lang="ru-RU" dirty="0"/>
           </a:p>
@@ -2004,7 +2008,7 @@
           <a:p>
             <a:fld id="{9F4DF3D0-C105-404D-A43B-7CBA1B97B744}" type="datetimeFigureOut">
               <a:rPr lang="ru-RU" smtClean="0"/>
-              <a:t>04.04.2022</a:t>
+              <a:t>06.04.2022</a:t>
             </a:fld>
             <a:endParaRPr lang="ru-RU" dirty="0"/>
           </a:p>
@@ -2122,7 +2126,7 @@
           <a:p>
             <a:fld id="{9F4DF3D0-C105-404D-A43B-7CBA1B97B744}" type="datetimeFigureOut">
               <a:rPr lang="ru-RU" smtClean="0"/>
-              <a:t>04.04.2022</a:t>
+              <a:t>06.04.2022</a:t>
             </a:fld>
             <a:endParaRPr lang="ru-RU" dirty="0"/>
           </a:p>
@@ -2217,7 +2221,7 @@
           <a:p>
             <a:fld id="{9F4DF3D0-C105-404D-A43B-7CBA1B97B744}" type="datetimeFigureOut">
               <a:rPr lang="ru-RU" smtClean="0"/>
-              <a:t>04.04.2022</a:t>
+              <a:t>06.04.2022</a:t>
             </a:fld>
             <a:endParaRPr lang="ru-RU" dirty="0"/>
           </a:p>
@@ -2494,7 +2498,7 @@
           <a:p>
             <a:fld id="{9F4DF3D0-C105-404D-A43B-7CBA1B97B744}" type="datetimeFigureOut">
               <a:rPr lang="ru-RU" smtClean="0"/>
-              <a:t>04.04.2022</a:t>
+              <a:t>06.04.2022</a:t>
             </a:fld>
             <a:endParaRPr lang="ru-RU" dirty="0"/>
           </a:p>
@@ -2747,7 +2751,7 @@
           <a:p>
             <a:fld id="{9F4DF3D0-C105-404D-A43B-7CBA1B97B744}" type="datetimeFigureOut">
               <a:rPr lang="ru-RU" smtClean="0"/>
-              <a:t>04.04.2022</a:t>
+              <a:t>06.04.2022</a:t>
             </a:fld>
             <a:endParaRPr lang="ru-RU" dirty="0"/>
           </a:p>
@@ -2960,7 +2964,7 @@
           <a:p>
             <a:fld id="{9F4DF3D0-C105-404D-A43B-7CBA1B97B744}" type="datetimeFigureOut">
               <a:rPr lang="ru-RU" smtClean="0"/>
-              <a:t>04.04.2022</a:t>
+              <a:t>06.04.2022</a:t>
             </a:fld>
             <a:endParaRPr lang="ru-RU" dirty="0"/>
           </a:p>
@@ -4193,8 +4197,8 @@
           </a:p>
         </p:txBody>
       </p:sp>
-      <mc:AlternateContent xmlns:mc="http://schemas.openxmlformats.org/markup-compatibility/2006">
-        <mc:Choice xmlns:a14="http://schemas.microsoft.com/office/drawing/2010/main" Requires="a14">
+      <mc:AlternateContent xmlns:mc="http://schemas.openxmlformats.org/markup-compatibility/2006" xmlns:a14="http://schemas.microsoft.com/office/drawing/2010/main">
+        <mc:Choice Requires="a14">
           <p:sp>
             <p:nvSpPr>
               <p:cNvPr id="3" name="Объект 2"/>
@@ -4421,13 +4425,7 @@
                   <a:rPr lang="ru-RU" altLang="ru-RU" dirty="0" smtClean="0">
                     <a:latin typeface="Calibri" panose="020F0502020204030204" pitchFamily="34" charset="0"/>
                   </a:rPr>
-                  <a:t>Функция п</a:t>
-                </a:r>
-                <a:r>
-                  <a:rPr lang="ru-RU" altLang="ru-RU" dirty="0" smtClean="0">
-                    <a:latin typeface="Calibri" panose="020F0502020204030204" pitchFamily="34" charset="0"/>
-                  </a:rPr>
-                  <a:t>риспособленности:</a:t>
+                  <a:t>Функция приспособленности:</a:t>
                 </a:r>
               </a:p>
               <a:p>
@@ -4535,7 +4533,7 @@
             </p:txBody>
           </p:sp>
         </mc:Choice>
-        <mc:Fallback>
+        <mc:Fallback xmlns="">
           <p:sp>
             <p:nvSpPr>
               <p:cNvPr id="3" name="Объект 2"/>
@@ -4630,8 +4628,8 @@
           </a:p>
         </p:txBody>
       </p:sp>
-      <mc:AlternateContent xmlns:mc="http://schemas.openxmlformats.org/markup-compatibility/2006">
-        <mc:Choice xmlns:a14="http://schemas.microsoft.com/office/drawing/2010/main" Requires="a14">
+      <mc:AlternateContent xmlns:mc="http://schemas.openxmlformats.org/markup-compatibility/2006" xmlns:a14="http://schemas.microsoft.com/office/drawing/2010/main">
+        <mc:Choice Requires="a14">
           <p:sp>
             <p:nvSpPr>
               <p:cNvPr id="3" name="Объект 2"/>
@@ -5372,7 +5370,7 @@
             </p:txBody>
           </p:sp>
         </mc:Choice>
-        <mc:Fallback>
+        <mc:Fallback xmlns="">
           <p:sp>
             <p:nvSpPr>
               <p:cNvPr id="3" name="Объект 2"/>
@@ -6504,13 +6502,7 @@
               <a:rPr lang="ru-RU" altLang="ru-RU" dirty="0" smtClean="0">
                 <a:latin typeface="Calibri" panose="020F0502020204030204" pitchFamily="34" charset="0"/>
               </a:rPr>
-              <a:t>При выборе</a:t>
-            </a:r>
-            <a:r>
-              <a:rPr lang="ru-RU" altLang="ru-RU" dirty="0" smtClean="0">
-                <a:latin typeface="Calibri" panose="020F0502020204030204" pitchFamily="34" charset="0"/>
-              </a:rPr>
-              <a:t> </a:t>
+              <a:t>При выборе </a:t>
             </a:r>
             <a:r>
               <a:rPr lang="ru-RU" altLang="ru-RU" dirty="0">
@@ -8142,8 +8134,8 @@
           </a:p>
         </p:txBody>
       </p:sp>
-      <mc:AlternateContent xmlns:mc="http://schemas.openxmlformats.org/markup-compatibility/2006">
-        <mc:Choice xmlns:a14="http://schemas.microsoft.com/office/drawing/2010/main" Requires="a14">
+      <mc:AlternateContent xmlns:mc="http://schemas.openxmlformats.org/markup-compatibility/2006" xmlns:a14="http://schemas.microsoft.com/office/drawing/2010/main">
+        <mc:Choice Requires="a14">
           <p:sp>
             <p:nvSpPr>
               <p:cNvPr id="3" name="Объект 2"/>
@@ -8740,7 +8732,7 @@
             </p:txBody>
           </p:sp>
         </mc:Choice>
-        <mc:Fallback>
+        <mc:Fallback xmlns="">
           <p:sp>
             <p:nvSpPr>
               <p:cNvPr id="3" name="Объект 2"/>
@@ -8835,8 +8827,8 @@
           </a:p>
         </p:txBody>
       </p:sp>
-      <mc:AlternateContent xmlns:mc="http://schemas.openxmlformats.org/markup-compatibility/2006">
-        <mc:Choice xmlns:a14="http://schemas.microsoft.com/office/drawing/2010/main" Requires="a14">
+      <mc:AlternateContent xmlns:mc="http://schemas.openxmlformats.org/markup-compatibility/2006" xmlns:a14="http://schemas.microsoft.com/office/drawing/2010/main">
+        <mc:Choice Requires="a14">
           <p:sp>
             <p:nvSpPr>
               <p:cNvPr id="3" name="Объект 2"/>
@@ -9449,7 +9441,7 @@
             </p:txBody>
           </p:sp>
         </mc:Choice>
-        <mc:Fallback>
+        <mc:Fallback xmlns="">
           <p:sp>
             <p:nvSpPr>
               <p:cNvPr id="3" name="Объект 2"/>
@@ -9887,8 +9879,8 @@
           </a:p>
         </p:txBody>
       </p:sp>
-      <mc:AlternateContent xmlns:mc="http://schemas.openxmlformats.org/markup-compatibility/2006">
-        <mc:Choice xmlns:a14="http://schemas.microsoft.com/office/drawing/2010/main" Requires="a14">
+      <mc:AlternateContent xmlns:mc="http://schemas.openxmlformats.org/markup-compatibility/2006" xmlns:a14="http://schemas.microsoft.com/office/drawing/2010/main">
+        <mc:Choice Requires="a14">
           <p:sp>
             <p:nvSpPr>
               <p:cNvPr id="3" name="Объект 2"/>
@@ -10797,7 +10789,7 @@
             </p:txBody>
           </p:sp>
         </mc:Choice>
-        <mc:Fallback>
+        <mc:Fallback xmlns="">
           <p:sp>
             <p:nvSpPr>
               <p:cNvPr id="3" name="Объект 2"/>
@@ -10892,8 +10884,8 @@
           </a:p>
         </p:txBody>
       </p:sp>
-      <mc:AlternateContent xmlns:mc="http://schemas.openxmlformats.org/markup-compatibility/2006">
-        <mc:Choice xmlns:a14="http://schemas.microsoft.com/office/drawing/2010/main" Requires="a14">
+      <mc:AlternateContent xmlns:mc="http://schemas.openxmlformats.org/markup-compatibility/2006" xmlns:a14="http://schemas.microsoft.com/office/drawing/2010/main">
+        <mc:Choice Requires="a14">
           <p:sp>
             <p:nvSpPr>
               <p:cNvPr id="3" name="Объект 2"/>
@@ -11209,9 +11201,6 @@
                   </a:rPr>
                   <a:t>.</a:t>
                 </a:r>
-                <a:endParaRPr lang="en-US" altLang="ru-RU" dirty="0" smtClean="0">
-                  <a:latin typeface="Calibri" panose="020F0502020204030204" pitchFamily="34" charset="0"/>
-                </a:endParaRPr>
               </a:p>
               <a:p>
                 <a:pPr marL="0" indent="0">
@@ -11494,13 +11483,7 @@
                       <a:rPr lang="en-US" altLang="ru-RU" i="1" dirty="0">
                         <a:latin typeface="Cambria Math" panose="02040503050406030204" pitchFamily="18" charset="0"/>
                       </a:rPr>
-                      <m:t>=</m:t>
-                    </m:r>
-                    <m:r>
-                      <a:rPr lang="en-US" altLang="ru-RU" i="1" dirty="0">
-                        <a:latin typeface="Cambria Math" panose="02040503050406030204" pitchFamily="18" charset="0"/>
-                      </a:rPr>
-                      <m:t>0</m:t>
+                      <m:t>=0</m:t>
                     </m:r>
                   </m:oMath>
                 </a14:m>
@@ -12441,7 +12424,7 @@
             </p:txBody>
           </p:sp>
         </mc:Choice>
-        <mc:Fallback>
+        <mc:Fallback xmlns="">
           <p:sp>
             <p:nvSpPr>
               <p:cNvPr id="3" name="Объект 2"/>
@@ -12536,8 +12519,8 @@
           </a:p>
         </p:txBody>
       </p:sp>
-      <mc:AlternateContent xmlns:mc="http://schemas.openxmlformats.org/markup-compatibility/2006">
-        <mc:Choice xmlns:a14="http://schemas.microsoft.com/office/drawing/2010/main" Requires="a14">
+      <mc:AlternateContent xmlns:mc="http://schemas.openxmlformats.org/markup-compatibility/2006" xmlns:a14="http://schemas.microsoft.com/office/drawing/2010/main">
+        <mc:Choice Requires="a14">
           <p:sp>
             <p:nvSpPr>
               <p:cNvPr id="3" name="Объект 2"/>
@@ -12865,9 +12848,6 @@
                   </a:rPr>
                   <a:t>.</a:t>
                 </a:r>
-                <a:endParaRPr lang="en-US" altLang="ru-RU" dirty="0" smtClean="0">
-                  <a:latin typeface="Calibri" panose="020F0502020204030204" pitchFamily="34" charset="0"/>
-                </a:endParaRPr>
               </a:p>
               <a:p>
                 <a:pPr marL="0" indent="0">
@@ -14145,7 +14125,7 @@
             </p:txBody>
           </p:sp>
         </mc:Choice>
-        <mc:Fallback>
+        <mc:Fallback xmlns="">
           <p:sp>
             <p:nvSpPr>
               <p:cNvPr id="3" name="Объект 2"/>
@@ -14240,8 +14220,8 @@
           </a:p>
         </p:txBody>
       </p:sp>
-      <mc:AlternateContent xmlns:mc="http://schemas.openxmlformats.org/markup-compatibility/2006">
-        <mc:Choice xmlns:a14="http://schemas.microsoft.com/office/drawing/2010/main" Requires="a14">
+      <mc:AlternateContent xmlns:mc="http://schemas.openxmlformats.org/markup-compatibility/2006" xmlns:a14="http://schemas.microsoft.com/office/drawing/2010/main">
+        <mc:Choice Requires="a14">
           <p:sp>
             <p:nvSpPr>
               <p:cNvPr id="3" name="Объект 2"/>
@@ -14495,13 +14475,7 @@
                       <a:rPr lang="en-US" altLang="ru-RU" i="1" dirty="0">
                         <a:latin typeface="Cambria Math" panose="02040503050406030204" pitchFamily="18" charset="0"/>
                       </a:rPr>
-                      <m:t>=</m:t>
-                    </m:r>
-                    <m:r>
-                      <a:rPr lang="en-US" altLang="ru-RU" i="1" dirty="0">
-                        <a:latin typeface="Cambria Math" panose="02040503050406030204" pitchFamily="18" charset="0"/>
-                      </a:rPr>
-                      <m:t>2</m:t>
+                      <m:t>=2</m:t>
                     </m:r>
                   </m:oMath>
                 </a14:m>
@@ -14559,13 +14533,7 @@
                       <a:rPr lang="en-US" altLang="ru-RU" i="1" dirty="0">
                         <a:latin typeface="Cambria Math" panose="02040503050406030204" pitchFamily="18" charset="0"/>
                       </a:rPr>
-                      <m:t>=</m:t>
-                    </m:r>
-                    <m:r>
-                      <a:rPr lang="en-US" altLang="ru-RU" i="1" dirty="0">
-                        <a:latin typeface="Cambria Math" panose="02040503050406030204" pitchFamily="18" charset="0"/>
-                      </a:rPr>
-                      <m:t>4</m:t>
+                      <m:t>=4</m:t>
                     </m:r>
                   </m:oMath>
                 </a14:m>
@@ -14575,9 +14543,6 @@
                   </a:rPr>
                   <a:t>,</a:t>
                 </a:r>
-                <a:endParaRPr lang="en-US" altLang="ru-RU" dirty="0">
-                  <a:latin typeface="Calibri" panose="020F0502020204030204" pitchFamily="34" charset="0"/>
-                </a:endParaRPr>
               </a:p>
               <a:p>
                 <a:pPr marL="0" indent="0">
@@ -14639,13 +14604,7 @@
                       <a:rPr lang="en-US" altLang="ru-RU" i="1" dirty="0">
                         <a:latin typeface="Cambria Math" panose="02040503050406030204" pitchFamily="18" charset="0"/>
                       </a:rPr>
-                      <m:t>=</m:t>
-                    </m:r>
-                    <m:r>
-                      <a:rPr lang="en-US" altLang="ru-RU" i="1" dirty="0">
-                        <a:latin typeface="Cambria Math" panose="02040503050406030204" pitchFamily="18" charset="0"/>
-                      </a:rPr>
-                      <m:t>3</m:t>
+                      <m:t>=3</m:t>
                     </m:r>
                   </m:oMath>
                 </a14:m>
@@ -14703,13 +14662,7 @@
                       <a:rPr lang="en-US" altLang="ru-RU" i="1" dirty="0">
                         <a:latin typeface="Cambria Math" panose="02040503050406030204" pitchFamily="18" charset="0"/>
                       </a:rPr>
-                      <m:t>=</m:t>
-                    </m:r>
-                    <m:r>
-                      <a:rPr lang="en-US" altLang="ru-RU" i="1" dirty="0">
-                        <a:latin typeface="Cambria Math" panose="02040503050406030204" pitchFamily="18" charset="0"/>
-                      </a:rPr>
-                      <m:t>9</m:t>
+                      <m:t>=9</m:t>
                     </m:r>
                   </m:oMath>
                 </a14:m>
@@ -14719,9 +14672,6 @@
                   </a:rPr>
                   <a:t>,</a:t>
                 </a:r>
-                <a:endParaRPr lang="en-US" altLang="ru-RU" dirty="0">
-                  <a:latin typeface="Calibri" panose="020F0502020204030204" pitchFamily="34" charset="0"/>
-                </a:endParaRPr>
               </a:p>
               <a:p>
                 <a:pPr marL="0" indent="0">
@@ -14783,13 +14733,7 @@
                       <a:rPr lang="en-US" altLang="ru-RU" i="1" dirty="0">
                         <a:latin typeface="Cambria Math" panose="02040503050406030204" pitchFamily="18" charset="0"/>
                       </a:rPr>
-                      <m:t>=</m:t>
-                    </m:r>
-                    <m:r>
-                      <a:rPr lang="en-US" altLang="ru-RU" i="1" dirty="0">
-                        <a:latin typeface="Cambria Math" panose="02040503050406030204" pitchFamily="18" charset="0"/>
-                      </a:rPr>
-                      <m:t>4</m:t>
+                      <m:t>=4</m:t>
                     </m:r>
                   </m:oMath>
                 </a14:m>
@@ -14847,13 +14791,7 @@
                       <a:rPr lang="en-US" altLang="ru-RU" i="1" dirty="0">
                         <a:latin typeface="Cambria Math" panose="02040503050406030204" pitchFamily="18" charset="0"/>
                       </a:rPr>
-                      <m:t>=1</m:t>
-                    </m:r>
-                    <m:r>
-                      <a:rPr lang="en-US" altLang="ru-RU" i="1" dirty="0">
-                        <a:latin typeface="Cambria Math" panose="02040503050406030204" pitchFamily="18" charset="0"/>
-                      </a:rPr>
-                      <m:t>6</m:t>
+                      <m:t>=16</m:t>
                     </m:r>
                   </m:oMath>
                 </a14:m>
@@ -15545,7 +15483,7 @@
             </p:txBody>
           </p:sp>
         </mc:Choice>
-        <mc:Fallback>
+        <mc:Fallback xmlns="">
           <p:sp>
             <p:nvSpPr>
               <p:cNvPr id="3" name="Объект 2"/>
@@ -16692,7 +16630,7 @@
           <a:p>
             <a:r>
               <a:rPr lang="ru-RU" sz="3600" dirty="0"/>
-              <a:t>Самомодифицирующийся код</a:t>
+              <a:t>Генетическое программирование</a:t>
             </a:r>
           </a:p>
         </p:txBody>
@@ -16709,12 +16647,13 @@
         </p:nvSpPr>
         <p:spPr/>
         <p:txBody>
-          <a:bodyPr/>
+          <a:bodyPr>
+            <a:normAutofit lnSpcReduction="10000"/>
+          </a:bodyPr>
           <a:lstStyle/>
           <a:p>
-            <a:pPr marL="0" indent="0">
-              <a:buSzPct val="45000"/>
-              <a:buNone/>
+            <a:pPr algn="just">
+              <a:buSzPct val="100000"/>
               <a:tabLst>
                 <a:tab pos="0" algn="l"/>
                 <a:tab pos="104775" algn="l"/>
@@ -16740,7 +16679,401 @@
                 <a:tab pos="8686800" algn="l"/>
               </a:tabLst>
             </a:pPr>
-            <a:endParaRPr lang="ru-RU" altLang="ru-RU" dirty="0">
+            <a:r>
+              <a:rPr lang="ru-RU" altLang="ru-RU" dirty="0" smtClean="0">
+                <a:latin typeface="Calibri" panose="020F0502020204030204" pitchFamily="34" charset="0"/>
+              </a:rPr>
+              <a:t>Основанное на деревьях</a:t>
+            </a:r>
+            <a:endParaRPr lang="en-US" altLang="ru-RU" dirty="0">
+              <a:latin typeface="Calibri" panose="020F0502020204030204" pitchFamily="34" charset="0"/>
+            </a:endParaRPr>
+          </a:p>
+          <a:p>
+            <a:pPr algn="just">
+              <a:buSzPct val="100000"/>
+              <a:tabLst>
+                <a:tab pos="0" algn="l"/>
+                <a:tab pos="104775" algn="l"/>
+                <a:tab pos="554038" algn="l"/>
+                <a:tab pos="1003300" algn="l"/>
+                <a:tab pos="1452563" algn="l"/>
+                <a:tab pos="1901825" algn="l"/>
+                <a:tab pos="2351088" algn="l"/>
+                <a:tab pos="2800350" algn="l"/>
+                <a:tab pos="3249613" algn="l"/>
+                <a:tab pos="3698875" algn="l"/>
+                <a:tab pos="4148138" algn="l"/>
+                <a:tab pos="4597400" algn="l"/>
+                <a:tab pos="5046663" algn="l"/>
+                <a:tab pos="5495925" algn="l"/>
+                <a:tab pos="5945188" algn="l"/>
+                <a:tab pos="6394450" algn="l"/>
+                <a:tab pos="6843713" algn="l"/>
+                <a:tab pos="7292975" algn="l"/>
+                <a:tab pos="7742238" algn="l"/>
+                <a:tab pos="8191500" algn="l"/>
+                <a:tab pos="8640763" algn="l"/>
+                <a:tab pos="8686800" algn="l"/>
+              </a:tabLst>
+            </a:pPr>
+            <a:r>
+              <a:rPr lang="ru-RU" altLang="ru-RU" dirty="0" smtClean="0">
+                <a:latin typeface="Calibri" panose="020F0502020204030204" pitchFamily="34" charset="0"/>
+              </a:rPr>
+              <a:t>Основанное на стеках</a:t>
+            </a:r>
+            <a:endParaRPr lang="en-US" altLang="ru-RU" dirty="0">
+              <a:latin typeface="Calibri" panose="020F0502020204030204" pitchFamily="34" charset="0"/>
+            </a:endParaRPr>
+          </a:p>
+          <a:p>
+            <a:pPr algn="just">
+              <a:buSzPct val="100000"/>
+              <a:tabLst>
+                <a:tab pos="0" algn="l"/>
+                <a:tab pos="104775" algn="l"/>
+                <a:tab pos="554038" algn="l"/>
+                <a:tab pos="1003300" algn="l"/>
+                <a:tab pos="1452563" algn="l"/>
+                <a:tab pos="1901825" algn="l"/>
+                <a:tab pos="2351088" algn="l"/>
+                <a:tab pos="2800350" algn="l"/>
+                <a:tab pos="3249613" algn="l"/>
+                <a:tab pos="3698875" algn="l"/>
+                <a:tab pos="4148138" algn="l"/>
+                <a:tab pos="4597400" algn="l"/>
+                <a:tab pos="5046663" algn="l"/>
+                <a:tab pos="5495925" algn="l"/>
+                <a:tab pos="5945188" algn="l"/>
+                <a:tab pos="6394450" algn="l"/>
+                <a:tab pos="6843713" algn="l"/>
+                <a:tab pos="7292975" algn="l"/>
+                <a:tab pos="7742238" algn="l"/>
+                <a:tab pos="8191500" algn="l"/>
+                <a:tab pos="8640763" algn="l"/>
+                <a:tab pos="8686800" algn="l"/>
+              </a:tabLst>
+            </a:pPr>
+            <a:r>
+              <a:rPr lang="ru-RU" altLang="ru-RU" dirty="0" smtClean="0">
+                <a:latin typeface="Calibri" panose="020F0502020204030204" pitchFamily="34" charset="0"/>
+              </a:rPr>
+              <a:t>Линейное</a:t>
+            </a:r>
+            <a:r>
+              <a:rPr lang="en-US" altLang="ru-RU" dirty="0" smtClean="0">
+                <a:latin typeface="Calibri" panose="020F0502020204030204" pitchFamily="34" charset="0"/>
+              </a:rPr>
+              <a:t> </a:t>
+            </a:r>
+            <a:r>
+              <a:rPr lang="en-US" altLang="ru-RU" dirty="0">
+                <a:latin typeface="Calibri" panose="020F0502020204030204" pitchFamily="34" charset="0"/>
+              </a:rPr>
+              <a:t>(</a:t>
+            </a:r>
+            <a:r>
+              <a:rPr lang="en-US" altLang="ru-RU" dirty="0" err="1">
+                <a:latin typeface="Calibri" panose="020F0502020204030204" pitchFamily="34" charset="0"/>
+              </a:rPr>
+              <a:t>LGP</a:t>
+            </a:r>
+            <a:r>
+              <a:rPr lang="en-US" altLang="ru-RU" dirty="0">
+                <a:latin typeface="Calibri" panose="020F0502020204030204" pitchFamily="34" charset="0"/>
+              </a:rPr>
+              <a:t>)</a:t>
+            </a:r>
+          </a:p>
+          <a:p>
+            <a:pPr algn="just">
+              <a:buSzPct val="100000"/>
+              <a:tabLst>
+                <a:tab pos="0" algn="l"/>
+                <a:tab pos="104775" algn="l"/>
+                <a:tab pos="554038" algn="l"/>
+                <a:tab pos="1003300" algn="l"/>
+                <a:tab pos="1452563" algn="l"/>
+                <a:tab pos="1901825" algn="l"/>
+                <a:tab pos="2351088" algn="l"/>
+                <a:tab pos="2800350" algn="l"/>
+                <a:tab pos="3249613" algn="l"/>
+                <a:tab pos="3698875" algn="l"/>
+                <a:tab pos="4148138" algn="l"/>
+                <a:tab pos="4597400" algn="l"/>
+                <a:tab pos="5046663" algn="l"/>
+                <a:tab pos="5495925" algn="l"/>
+                <a:tab pos="5945188" algn="l"/>
+                <a:tab pos="6394450" algn="l"/>
+                <a:tab pos="6843713" algn="l"/>
+                <a:tab pos="7292975" algn="l"/>
+                <a:tab pos="7742238" algn="l"/>
+                <a:tab pos="8191500" algn="l"/>
+                <a:tab pos="8640763" algn="l"/>
+                <a:tab pos="8686800" algn="l"/>
+              </a:tabLst>
+            </a:pPr>
+            <a:r>
+              <a:rPr lang="en-US" altLang="ru-RU" dirty="0" smtClean="0">
+                <a:latin typeface="Calibri" panose="020F0502020204030204" pitchFamily="34" charset="0"/>
+              </a:rPr>
+              <a:t>Grammatical </a:t>
+            </a:r>
+            <a:r>
+              <a:rPr lang="en-US" altLang="ru-RU" dirty="0">
+                <a:latin typeface="Calibri" panose="020F0502020204030204" pitchFamily="34" charset="0"/>
+              </a:rPr>
+              <a:t>Evolution</a:t>
+            </a:r>
+          </a:p>
+          <a:p>
+            <a:pPr algn="just">
+              <a:buSzPct val="100000"/>
+              <a:tabLst>
+                <a:tab pos="0" algn="l"/>
+                <a:tab pos="104775" algn="l"/>
+                <a:tab pos="554038" algn="l"/>
+                <a:tab pos="1003300" algn="l"/>
+                <a:tab pos="1452563" algn="l"/>
+                <a:tab pos="1901825" algn="l"/>
+                <a:tab pos="2351088" algn="l"/>
+                <a:tab pos="2800350" algn="l"/>
+                <a:tab pos="3249613" algn="l"/>
+                <a:tab pos="3698875" algn="l"/>
+                <a:tab pos="4148138" algn="l"/>
+                <a:tab pos="4597400" algn="l"/>
+                <a:tab pos="5046663" algn="l"/>
+                <a:tab pos="5495925" algn="l"/>
+                <a:tab pos="5945188" algn="l"/>
+                <a:tab pos="6394450" algn="l"/>
+                <a:tab pos="6843713" algn="l"/>
+                <a:tab pos="7292975" algn="l"/>
+                <a:tab pos="7742238" algn="l"/>
+                <a:tab pos="8191500" algn="l"/>
+                <a:tab pos="8640763" algn="l"/>
+                <a:tab pos="8686800" algn="l"/>
+              </a:tabLst>
+            </a:pPr>
+            <a:r>
+              <a:rPr lang="en-US" altLang="ru-RU" dirty="0" smtClean="0">
+                <a:latin typeface="Calibri" panose="020F0502020204030204" pitchFamily="34" charset="0"/>
+              </a:rPr>
+              <a:t>Extended </a:t>
+            </a:r>
+            <a:r>
+              <a:rPr lang="en-US" altLang="ru-RU" dirty="0">
+                <a:latin typeface="Calibri" panose="020F0502020204030204" pitchFamily="34" charset="0"/>
+              </a:rPr>
+              <a:t>Compact Genetic Programming (</a:t>
+            </a:r>
+            <a:r>
+              <a:rPr lang="en-US" altLang="ru-RU" dirty="0" err="1">
+                <a:latin typeface="Calibri" panose="020F0502020204030204" pitchFamily="34" charset="0"/>
+              </a:rPr>
+              <a:t>ECGP</a:t>
+            </a:r>
+            <a:r>
+              <a:rPr lang="en-US" altLang="ru-RU" dirty="0">
+                <a:latin typeface="Calibri" panose="020F0502020204030204" pitchFamily="34" charset="0"/>
+              </a:rPr>
+              <a:t>)</a:t>
+            </a:r>
+          </a:p>
+          <a:p>
+            <a:pPr algn="just">
+              <a:buSzPct val="100000"/>
+              <a:tabLst>
+                <a:tab pos="0" algn="l"/>
+                <a:tab pos="104775" algn="l"/>
+                <a:tab pos="554038" algn="l"/>
+                <a:tab pos="1003300" algn="l"/>
+                <a:tab pos="1452563" algn="l"/>
+                <a:tab pos="1901825" algn="l"/>
+                <a:tab pos="2351088" algn="l"/>
+                <a:tab pos="2800350" algn="l"/>
+                <a:tab pos="3249613" algn="l"/>
+                <a:tab pos="3698875" algn="l"/>
+                <a:tab pos="4148138" algn="l"/>
+                <a:tab pos="4597400" algn="l"/>
+                <a:tab pos="5046663" algn="l"/>
+                <a:tab pos="5495925" algn="l"/>
+                <a:tab pos="5945188" algn="l"/>
+                <a:tab pos="6394450" algn="l"/>
+                <a:tab pos="6843713" algn="l"/>
+                <a:tab pos="7292975" algn="l"/>
+                <a:tab pos="7742238" algn="l"/>
+                <a:tab pos="8191500" algn="l"/>
+                <a:tab pos="8640763" algn="l"/>
+                <a:tab pos="8686800" algn="l"/>
+              </a:tabLst>
+            </a:pPr>
+            <a:r>
+              <a:rPr lang="en-US" altLang="ru-RU" dirty="0" smtClean="0">
+                <a:latin typeface="Calibri" panose="020F0502020204030204" pitchFamily="34" charset="0"/>
+              </a:rPr>
+              <a:t>Cartesian </a:t>
+            </a:r>
+            <a:r>
+              <a:rPr lang="en-US" altLang="ru-RU" dirty="0">
+                <a:latin typeface="Calibri" panose="020F0502020204030204" pitchFamily="34" charset="0"/>
+              </a:rPr>
+              <a:t>Genetic Programming (</a:t>
+            </a:r>
+            <a:r>
+              <a:rPr lang="en-US" altLang="ru-RU" dirty="0" err="1">
+                <a:latin typeface="Calibri" panose="020F0502020204030204" pitchFamily="34" charset="0"/>
+              </a:rPr>
+              <a:t>CGP</a:t>
+            </a:r>
+            <a:r>
+              <a:rPr lang="en-US" altLang="ru-RU" dirty="0">
+                <a:latin typeface="Calibri" panose="020F0502020204030204" pitchFamily="34" charset="0"/>
+              </a:rPr>
+              <a:t>)</a:t>
+            </a:r>
+          </a:p>
+          <a:p>
+            <a:pPr algn="just">
+              <a:buSzPct val="100000"/>
+              <a:tabLst>
+                <a:tab pos="0" algn="l"/>
+                <a:tab pos="104775" algn="l"/>
+                <a:tab pos="554038" algn="l"/>
+                <a:tab pos="1003300" algn="l"/>
+                <a:tab pos="1452563" algn="l"/>
+                <a:tab pos="1901825" algn="l"/>
+                <a:tab pos="2351088" algn="l"/>
+                <a:tab pos="2800350" algn="l"/>
+                <a:tab pos="3249613" algn="l"/>
+                <a:tab pos="3698875" algn="l"/>
+                <a:tab pos="4148138" algn="l"/>
+                <a:tab pos="4597400" algn="l"/>
+                <a:tab pos="5046663" algn="l"/>
+                <a:tab pos="5495925" algn="l"/>
+                <a:tab pos="5945188" algn="l"/>
+                <a:tab pos="6394450" algn="l"/>
+                <a:tab pos="6843713" algn="l"/>
+                <a:tab pos="7292975" algn="l"/>
+                <a:tab pos="7742238" algn="l"/>
+                <a:tab pos="8191500" algn="l"/>
+                <a:tab pos="8640763" algn="l"/>
+                <a:tab pos="8686800" algn="l"/>
+              </a:tabLst>
+            </a:pPr>
+            <a:r>
+              <a:rPr lang="en-US" altLang="ru-RU" dirty="0" smtClean="0">
+                <a:latin typeface="Calibri" panose="020F0502020204030204" pitchFamily="34" charset="0"/>
+              </a:rPr>
+              <a:t>Probabilistic </a:t>
+            </a:r>
+            <a:r>
+              <a:rPr lang="en-US" altLang="ru-RU" dirty="0">
+                <a:latin typeface="Calibri" panose="020F0502020204030204" pitchFamily="34" charset="0"/>
+              </a:rPr>
+              <a:t>Incremental Program Evolution (PIPE)</a:t>
+            </a:r>
+          </a:p>
+          <a:p>
+            <a:pPr algn="just">
+              <a:buSzPct val="100000"/>
+              <a:tabLst>
+                <a:tab pos="0" algn="l"/>
+                <a:tab pos="104775" algn="l"/>
+                <a:tab pos="554038" algn="l"/>
+                <a:tab pos="1003300" algn="l"/>
+                <a:tab pos="1452563" algn="l"/>
+                <a:tab pos="1901825" algn="l"/>
+                <a:tab pos="2351088" algn="l"/>
+                <a:tab pos="2800350" algn="l"/>
+                <a:tab pos="3249613" algn="l"/>
+                <a:tab pos="3698875" algn="l"/>
+                <a:tab pos="4148138" algn="l"/>
+                <a:tab pos="4597400" algn="l"/>
+                <a:tab pos="5046663" algn="l"/>
+                <a:tab pos="5495925" algn="l"/>
+                <a:tab pos="5945188" algn="l"/>
+                <a:tab pos="6394450" algn="l"/>
+                <a:tab pos="6843713" algn="l"/>
+                <a:tab pos="7292975" algn="l"/>
+                <a:tab pos="7742238" algn="l"/>
+                <a:tab pos="8191500" algn="l"/>
+                <a:tab pos="8640763" algn="l"/>
+                <a:tab pos="8686800" algn="l"/>
+              </a:tabLst>
+            </a:pPr>
+            <a:r>
+              <a:rPr lang="en-US" altLang="ru-RU" dirty="0" smtClean="0">
+                <a:latin typeface="Calibri" panose="020F0502020204030204" pitchFamily="34" charset="0"/>
+              </a:rPr>
+              <a:t>Strongly </a:t>
+            </a:r>
+            <a:r>
+              <a:rPr lang="en-US" altLang="ru-RU" dirty="0">
+                <a:latin typeface="Calibri" panose="020F0502020204030204" pitchFamily="34" charset="0"/>
+              </a:rPr>
+              <a:t>Typed Genetic Programming (</a:t>
+            </a:r>
+            <a:r>
+              <a:rPr lang="en-US" altLang="ru-RU" dirty="0" err="1">
+                <a:latin typeface="Calibri" panose="020F0502020204030204" pitchFamily="34" charset="0"/>
+              </a:rPr>
+              <a:t>STGP</a:t>
+            </a:r>
+            <a:r>
+              <a:rPr lang="en-US" altLang="ru-RU" dirty="0">
+                <a:latin typeface="Calibri" panose="020F0502020204030204" pitchFamily="34" charset="0"/>
+              </a:rPr>
+              <a:t>)</a:t>
+            </a:r>
+          </a:p>
+          <a:p>
+            <a:pPr algn="just">
+              <a:buSzPct val="100000"/>
+              <a:tabLst>
+                <a:tab pos="0" algn="l"/>
+                <a:tab pos="104775" algn="l"/>
+                <a:tab pos="554038" algn="l"/>
+                <a:tab pos="1003300" algn="l"/>
+                <a:tab pos="1452563" algn="l"/>
+                <a:tab pos="1901825" algn="l"/>
+                <a:tab pos="2351088" algn="l"/>
+                <a:tab pos="2800350" algn="l"/>
+                <a:tab pos="3249613" algn="l"/>
+                <a:tab pos="3698875" algn="l"/>
+                <a:tab pos="4148138" algn="l"/>
+                <a:tab pos="4597400" algn="l"/>
+                <a:tab pos="5046663" algn="l"/>
+                <a:tab pos="5495925" algn="l"/>
+                <a:tab pos="5945188" algn="l"/>
+                <a:tab pos="6394450" algn="l"/>
+                <a:tab pos="6843713" algn="l"/>
+                <a:tab pos="7292975" algn="l"/>
+                <a:tab pos="7742238" algn="l"/>
+                <a:tab pos="8191500" algn="l"/>
+                <a:tab pos="8640763" algn="l"/>
+                <a:tab pos="8686800" algn="l"/>
+              </a:tabLst>
+            </a:pPr>
+            <a:r>
+              <a:rPr lang="en-US" altLang="ru-RU" dirty="0" smtClean="0">
+                <a:latin typeface="Calibri" panose="020F0502020204030204" pitchFamily="34" charset="0"/>
+              </a:rPr>
+              <a:t>Genetic </a:t>
+            </a:r>
+            <a:r>
+              <a:rPr lang="en-US" altLang="ru-RU" dirty="0">
+                <a:latin typeface="Calibri" panose="020F0502020204030204" pitchFamily="34" charset="0"/>
+              </a:rPr>
+              <a:t>Improvement of Software for Multiple Objectives (GISMO</a:t>
+            </a:r>
+            <a:r>
+              <a:rPr lang="en-US" altLang="ru-RU" dirty="0" smtClean="0">
+                <a:latin typeface="Calibri" panose="020F0502020204030204" pitchFamily="34" charset="0"/>
+              </a:rPr>
+              <a:t>)</a:t>
+            </a:r>
+            <a:endParaRPr lang="en-US" altLang="ru-RU" dirty="0">
               <a:latin typeface="Calibri" panose="020F0502020204030204" pitchFamily="34" charset="0"/>
             </a:endParaRPr>
           </a:p>
@@ -16749,7 +17082,7 @@
     </p:spTree>
     <p:extLst>
       <p:ext uri="{BB962C8B-B14F-4D97-AF65-F5344CB8AC3E}">
-        <p14:creationId xmlns:p14="http://schemas.microsoft.com/office/powerpoint/2010/main" val="2549579318"/>
+        <p14:creationId xmlns:p14="http://schemas.microsoft.com/office/powerpoint/2010/main" val="3849160698"/>
       </p:ext>
     </p:extLst>
   </p:cSld>
@@ -17196,64 +17529,79 @@
           <a:p>
             <a:r>
               <a:rPr lang="ru-RU" sz="3600" dirty="0"/>
-              <a:t>Роевой интеллект</a:t>
+              <a:t>Генетическое программирование</a:t>
             </a:r>
           </a:p>
         </p:txBody>
       </p:sp>
+      <p:pic>
+        <p:nvPicPr>
+          <p:cNvPr id="5" name="Рисунок 4"/>
+          <p:cNvPicPr>
+            <a:picLocks noChangeAspect="1"/>
+          </p:cNvPicPr>
+          <p:nvPr/>
+        </p:nvPicPr>
+        <p:blipFill>
+          <a:blip r:embed="rId2">
+            <a:extLst>
+              <a:ext uri="{28A0092B-C50C-407E-A947-70E740481C1C}">
+                <a14:useLocalDpi xmlns:a14="http://schemas.microsoft.com/office/drawing/2010/main" val="0"/>
+              </a:ext>
+            </a:extLst>
+          </a:blip>
+          <a:stretch>
+            <a:fillRect/>
+          </a:stretch>
+        </p:blipFill>
+        <p:spPr>
+          <a:xfrm>
+            <a:off x="3981666" y="2005794"/>
+            <a:ext cx="4228667" cy="4512470"/>
+          </a:xfrm>
+          <a:prstGeom prst="rect">
+            <a:avLst/>
+          </a:prstGeom>
+        </p:spPr>
+      </p:pic>
       <p:sp>
         <p:nvSpPr>
-          <p:cNvPr id="3" name="Объект 2"/>
-          <p:cNvSpPr>
-            <a:spLocks noGrp="1"/>
-          </p:cNvSpPr>
-          <p:nvPr>
-            <p:ph idx="1"/>
-          </p:nvPr>
+          <p:cNvPr id="6" name="TextBox 5"/>
+          <p:cNvSpPr txBox="1"/>
+          <p:nvPr/>
         </p:nvSpPr>
-        <p:spPr/>
+        <p:spPr>
+          <a:xfrm>
+            <a:off x="600693" y="1528740"/>
+            <a:ext cx="4873831" cy="523220"/>
+          </a:xfrm>
+          <a:prstGeom prst="rect">
+            <a:avLst/>
+          </a:prstGeom>
+          <a:noFill/>
+        </p:spPr>
         <p:txBody>
-          <a:bodyPr/>
+          <a:bodyPr wrap="square" rtlCol="0">
+            <a:spAutoFit/>
+          </a:bodyPr>
           <a:lstStyle/>
           <a:p>
-            <a:pPr marL="0" indent="0">
-              <a:buSzPct val="45000"/>
-              <a:buNone/>
-              <a:tabLst>
-                <a:tab pos="0" algn="l"/>
-                <a:tab pos="104775" algn="l"/>
-                <a:tab pos="554038" algn="l"/>
-                <a:tab pos="1003300" algn="l"/>
-                <a:tab pos="1452563" algn="l"/>
-                <a:tab pos="1901825" algn="l"/>
-                <a:tab pos="2351088" algn="l"/>
-                <a:tab pos="2800350" algn="l"/>
-                <a:tab pos="3249613" algn="l"/>
-                <a:tab pos="3698875" algn="l"/>
-                <a:tab pos="4148138" algn="l"/>
-                <a:tab pos="4597400" algn="l"/>
-                <a:tab pos="5046663" algn="l"/>
-                <a:tab pos="5495925" algn="l"/>
-                <a:tab pos="5945188" algn="l"/>
-                <a:tab pos="6394450" algn="l"/>
-                <a:tab pos="6843713" algn="l"/>
-                <a:tab pos="7292975" algn="l"/>
-                <a:tab pos="7742238" algn="l"/>
-                <a:tab pos="8191500" algn="l"/>
-                <a:tab pos="8640763" algn="l"/>
-                <a:tab pos="8686800" algn="l"/>
-              </a:tabLst>
-            </a:pPr>
-            <a:endParaRPr lang="ru-RU" altLang="ru-RU" dirty="0">
-              <a:latin typeface="Calibri" panose="020F0502020204030204" pitchFamily="34" charset="0"/>
-            </a:endParaRPr>
+            <a:r>
+              <a:rPr lang="ru-RU" sz="2800" dirty="0" smtClean="0"/>
+              <a:t>Основанное на деревьях - </a:t>
+            </a:r>
+            <a:r>
+              <a:rPr lang="en-US" sz="2800" dirty="0" smtClean="0"/>
+              <a:t>LISP</a:t>
+            </a:r>
+            <a:endParaRPr lang="ru-RU" sz="2800" dirty="0"/>
           </a:p>
         </p:txBody>
       </p:sp>
     </p:spTree>
     <p:extLst>
       <p:ext uri="{BB962C8B-B14F-4D97-AF65-F5344CB8AC3E}">
-        <p14:creationId xmlns:p14="http://schemas.microsoft.com/office/powerpoint/2010/main" val="1861785511"/>
+        <p14:creationId xmlns:p14="http://schemas.microsoft.com/office/powerpoint/2010/main" val="2016476257"/>
       </p:ext>
     </p:extLst>
   </p:cSld>
@@ -17299,6 +17647,831 @@
         </p:nvSpPr>
         <p:spPr/>
         <p:txBody>
+          <a:bodyPr>
+            <a:normAutofit/>
+          </a:bodyPr>
+          <a:lstStyle/>
+          <a:p>
+            <a:r>
+              <a:rPr lang="ru-RU" sz="3600" dirty="0"/>
+              <a:t>Генетическое программирование</a:t>
+            </a:r>
+          </a:p>
+        </p:txBody>
+      </p:sp>
+      <p:sp>
+        <p:nvSpPr>
+          <p:cNvPr id="6" name="TextBox 5"/>
+          <p:cNvSpPr txBox="1"/>
+          <p:nvPr/>
+        </p:nvSpPr>
+        <p:spPr>
+          <a:xfrm>
+            <a:off x="743198" y="1512560"/>
+            <a:ext cx="4885706" cy="523220"/>
+          </a:xfrm>
+          <a:prstGeom prst="rect">
+            <a:avLst/>
+          </a:prstGeom>
+          <a:noFill/>
+        </p:spPr>
+        <p:txBody>
+          <a:bodyPr wrap="square" rtlCol="0">
+            <a:spAutoFit/>
+          </a:bodyPr>
+          <a:lstStyle/>
+          <a:p>
+            <a:r>
+              <a:rPr lang="ru-RU" altLang="ru-RU" sz="2800" dirty="0"/>
+              <a:t>Основанное на </a:t>
+            </a:r>
+            <a:r>
+              <a:rPr lang="ru-RU" altLang="ru-RU" sz="2800" dirty="0" smtClean="0"/>
+              <a:t>стеках - </a:t>
+            </a:r>
+            <a:r>
+              <a:rPr lang="en-US" altLang="ru-RU" sz="2800" dirty="0" smtClean="0"/>
+              <a:t>FORTH</a:t>
+            </a:r>
+            <a:endParaRPr lang="en-US" altLang="ru-RU" sz="2800" dirty="0"/>
+          </a:p>
+        </p:txBody>
+      </p:sp>
+      <p:pic>
+        <p:nvPicPr>
+          <p:cNvPr id="3" name="Рисунок 2"/>
+          <p:cNvPicPr>
+            <a:picLocks noChangeAspect="1"/>
+          </p:cNvPicPr>
+          <p:nvPr/>
+        </p:nvPicPr>
+        <p:blipFill>
+          <a:blip r:embed="rId2">
+            <a:extLst>
+              <a:ext uri="{28A0092B-C50C-407E-A947-70E740481C1C}">
+                <a14:useLocalDpi xmlns:a14="http://schemas.microsoft.com/office/drawing/2010/main" val="0"/>
+              </a:ext>
+            </a:extLst>
+          </a:blip>
+          <a:stretch>
+            <a:fillRect/>
+          </a:stretch>
+        </p:blipFill>
+        <p:spPr>
+          <a:xfrm>
+            <a:off x="3645725" y="2322306"/>
+            <a:ext cx="4902035" cy="4200153"/>
+          </a:xfrm>
+          <a:prstGeom prst="rect">
+            <a:avLst/>
+          </a:prstGeom>
+        </p:spPr>
+      </p:pic>
+    </p:spTree>
+    <p:extLst>
+      <p:ext uri="{BB962C8B-B14F-4D97-AF65-F5344CB8AC3E}">
+        <p14:creationId xmlns:p14="http://schemas.microsoft.com/office/powerpoint/2010/main" val="2732776848"/>
+      </p:ext>
+    </p:extLst>
+  </p:cSld>
+  <p:clrMapOvr>
+    <a:masterClrMapping/>
+  </p:clrMapOvr>
+  <p:timing>
+    <p:tnLst>
+      <p:par>
+        <p:cTn id="1" dur="indefinite" restart="never" nodeType="tmRoot"/>
+      </p:par>
+    </p:tnLst>
+  </p:timing>
+</p:sld>
+</file>
+
+<file path=ppt/slides/slide32.xml><?xml version="1.0" encoding="utf-8"?>
+<p:sld xmlns:a="http://schemas.openxmlformats.org/drawingml/2006/main" xmlns:r="http://schemas.openxmlformats.org/officeDocument/2006/relationships" xmlns:p="http://schemas.openxmlformats.org/presentationml/2006/main">
+  <p:cSld>
+    <p:spTree>
+      <p:nvGrpSpPr>
+        <p:cNvPr id="1" name=""/>
+        <p:cNvGrpSpPr/>
+        <p:nvPr/>
+      </p:nvGrpSpPr>
+      <p:grpSpPr>
+        <a:xfrm>
+          <a:off x="0" y="0"/>
+          <a:ext cx="0" cy="0"/>
+          <a:chOff x="0" y="0"/>
+          <a:chExt cx="0" cy="0"/>
+        </a:xfrm>
+      </p:grpSpPr>
+      <p:sp>
+        <p:nvSpPr>
+          <p:cNvPr id="2" name="Заголовок 1"/>
+          <p:cNvSpPr>
+            <a:spLocks noGrp="1"/>
+          </p:cNvSpPr>
+          <p:nvPr>
+            <p:ph type="title"/>
+          </p:nvPr>
+        </p:nvSpPr>
+        <p:spPr/>
+        <p:txBody>
+          <a:bodyPr>
+            <a:normAutofit/>
+          </a:bodyPr>
+          <a:lstStyle/>
+          <a:p>
+            <a:r>
+              <a:rPr lang="ru-RU" sz="3600" dirty="0"/>
+              <a:t>Генетическое программирование</a:t>
+            </a:r>
+            <a:endParaRPr lang="ru-RU" sz="3600" dirty="0"/>
+          </a:p>
+        </p:txBody>
+      </p:sp>
+      <p:sp>
+        <p:nvSpPr>
+          <p:cNvPr id="3" name="Объект 2"/>
+          <p:cNvSpPr>
+            <a:spLocks noGrp="1"/>
+          </p:cNvSpPr>
+          <p:nvPr>
+            <p:ph idx="1"/>
+          </p:nvPr>
+        </p:nvSpPr>
+        <p:spPr/>
+        <p:txBody>
+          <a:bodyPr>
+            <a:normAutofit lnSpcReduction="10000"/>
+          </a:bodyPr>
+          <a:lstStyle/>
+          <a:p>
+            <a:pPr marL="0" indent="0">
+              <a:buSzPct val="45000"/>
+              <a:buNone/>
+              <a:tabLst>
+                <a:tab pos="0" algn="l"/>
+                <a:tab pos="104775" algn="l"/>
+                <a:tab pos="554038" algn="l"/>
+                <a:tab pos="1003300" algn="l"/>
+                <a:tab pos="1452563" algn="l"/>
+                <a:tab pos="1901825" algn="l"/>
+                <a:tab pos="2351088" algn="l"/>
+                <a:tab pos="2800350" algn="l"/>
+                <a:tab pos="3249613" algn="l"/>
+                <a:tab pos="3698875" algn="l"/>
+                <a:tab pos="4148138" algn="l"/>
+                <a:tab pos="4597400" algn="l"/>
+                <a:tab pos="5046663" algn="l"/>
+                <a:tab pos="5495925" algn="l"/>
+                <a:tab pos="5945188" algn="l"/>
+                <a:tab pos="6394450" algn="l"/>
+                <a:tab pos="6843713" algn="l"/>
+                <a:tab pos="7292975" algn="l"/>
+                <a:tab pos="7742238" algn="l"/>
+                <a:tab pos="8191500" algn="l"/>
+                <a:tab pos="8640763" algn="l"/>
+                <a:tab pos="8686800" algn="l"/>
+              </a:tabLst>
+            </a:pPr>
+            <a:r>
+              <a:rPr lang="ru-RU" altLang="ru-RU" dirty="0" smtClean="0">
+                <a:latin typeface="Calibri" panose="020F0502020204030204" pitchFamily="34" charset="0"/>
+              </a:rPr>
+              <a:t>Линейное – </a:t>
+            </a:r>
+            <a:r>
+              <a:rPr lang="en-US" altLang="ru-RU" dirty="0" smtClean="0">
+                <a:latin typeface="Calibri" panose="020F0502020204030204" pitchFamily="34" charset="0"/>
+              </a:rPr>
+              <a:t>Slash/A</a:t>
+            </a:r>
+            <a:endParaRPr lang="ru-RU" altLang="ru-RU" dirty="0" smtClean="0">
+              <a:latin typeface="Calibri" panose="020F0502020204030204" pitchFamily="34" charset="0"/>
+            </a:endParaRPr>
+          </a:p>
+          <a:p>
+            <a:pPr marL="0" lvl="0" indent="0">
+              <a:buSzPct val="45000"/>
+              <a:buNone/>
+              <a:tabLst>
+                <a:tab pos="0" algn="l"/>
+                <a:tab pos="104775" algn="l"/>
+                <a:tab pos="554038" algn="l"/>
+                <a:tab pos="1003300" algn="l"/>
+                <a:tab pos="1452563" algn="l"/>
+                <a:tab pos="1901825" algn="l"/>
+                <a:tab pos="2351088" algn="l"/>
+                <a:tab pos="2800350" algn="l"/>
+                <a:tab pos="3249613" algn="l"/>
+                <a:tab pos="3698875" algn="l"/>
+                <a:tab pos="4148138" algn="l"/>
+                <a:tab pos="4597400" algn="l"/>
+                <a:tab pos="5046663" algn="l"/>
+                <a:tab pos="5495925" algn="l"/>
+                <a:tab pos="5945188" algn="l"/>
+                <a:tab pos="6394450" algn="l"/>
+                <a:tab pos="6843713" algn="l"/>
+                <a:tab pos="7292975" algn="l"/>
+                <a:tab pos="7742238" algn="l"/>
+                <a:tab pos="8191500" algn="l"/>
+                <a:tab pos="8640763" algn="l"/>
+                <a:tab pos="8686800" algn="l"/>
+              </a:tabLst>
+            </a:pPr>
+            <a:r>
+              <a:rPr lang="ru-RU" altLang="ru-RU" dirty="0" err="1">
+                <a:latin typeface="Arial Unicode MS" panose="020B0604020202020204" pitchFamily="34" charset="-128"/>
+              </a:rPr>
+              <a:t>input</a:t>
+            </a:r>
+            <a:r>
+              <a:rPr lang="ru-RU" altLang="ru-RU" dirty="0">
+                <a:latin typeface="Arial Unicode MS" panose="020B0604020202020204" pitchFamily="34" charset="-128"/>
+              </a:rPr>
+              <a:t>/0/</a:t>
+            </a:r>
+            <a:r>
+              <a:rPr lang="ru-RU" altLang="ru-RU" dirty="0" err="1">
+                <a:latin typeface="Arial Unicode MS" panose="020B0604020202020204" pitchFamily="34" charset="-128"/>
+              </a:rPr>
+              <a:t>save</a:t>
+            </a:r>
+            <a:r>
+              <a:rPr lang="ru-RU" altLang="ru-RU" dirty="0">
+                <a:latin typeface="Arial Unicode MS" panose="020B0604020202020204" pitchFamily="34" charset="-128"/>
+              </a:rPr>
+              <a:t>/</a:t>
+            </a:r>
+            <a:r>
+              <a:rPr lang="ru-RU" altLang="ru-RU" dirty="0" err="1">
+                <a:latin typeface="Arial Unicode MS" panose="020B0604020202020204" pitchFamily="34" charset="-128"/>
+              </a:rPr>
+              <a:t>input</a:t>
+            </a:r>
+            <a:r>
+              <a:rPr lang="ru-RU" altLang="ru-RU" dirty="0">
+                <a:latin typeface="Arial Unicode MS" panose="020B0604020202020204" pitchFamily="34" charset="-128"/>
+              </a:rPr>
+              <a:t>/</a:t>
+            </a:r>
+            <a:r>
+              <a:rPr lang="ru-RU" altLang="ru-RU" dirty="0" err="1">
+                <a:latin typeface="Arial Unicode MS" panose="020B0604020202020204" pitchFamily="34" charset="-128"/>
+              </a:rPr>
+              <a:t>add</a:t>
+            </a:r>
+            <a:r>
+              <a:rPr lang="ru-RU" altLang="ru-RU" dirty="0">
+                <a:latin typeface="Arial Unicode MS" panose="020B0604020202020204" pitchFamily="34" charset="-128"/>
+              </a:rPr>
+              <a:t>/</a:t>
+            </a:r>
+            <a:r>
+              <a:rPr lang="ru-RU" altLang="ru-RU" dirty="0" err="1">
+                <a:latin typeface="Arial Unicode MS" panose="020B0604020202020204" pitchFamily="34" charset="-128"/>
+              </a:rPr>
+              <a:t>output</a:t>
+            </a:r>
+            <a:r>
+              <a:rPr lang="ru-RU" altLang="ru-RU" dirty="0">
+                <a:latin typeface="Arial Unicode MS" panose="020B0604020202020204" pitchFamily="34" charset="-128"/>
+              </a:rPr>
+              <a:t>/.</a:t>
+            </a:r>
+            <a:r>
+              <a:rPr lang="ru-RU" altLang="ru-RU" sz="4000" dirty="0"/>
+              <a:t> </a:t>
+            </a:r>
+            <a:endParaRPr lang="ru-RU" altLang="ru-RU" sz="5400" dirty="0">
+              <a:latin typeface="Arial" panose="020B0604020202020204" pitchFamily="34" charset="0"/>
+            </a:endParaRPr>
+          </a:p>
+          <a:p>
+            <a:pPr marL="0" indent="0">
+              <a:buSzPct val="45000"/>
+              <a:buNone/>
+              <a:tabLst>
+                <a:tab pos="0" algn="l"/>
+                <a:tab pos="104775" algn="l"/>
+                <a:tab pos="554038" algn="l"/>
+                <a:tab pos="1003300" algn="l"/>
+                <a:tab pos="1452563" algn="l"/>
+                <a:tab pos="1901825" algn="l"/>
+                <a:tab pos="2351088" algn="l"/>
+                <a:tab pos="2800350" algn="l"/>
+                <a:tab pos="3249613" algn="l"/>
+                <a:tab pos="3698875" algn="l"/>
+                <a:tab pos="4148138" algn="l"/>
+                <a:tab pos="4597400" algn="l"/>
+                <a:tab pos="5046663" algn="l"/>
+                <a:tab pos="5495925" algn="l"/>
+                <a:tab pos="5945188" algn="l"/>
+                <a:tab pos="6394450" algn="l"/>
+                <a:tab pos="6843713" algn="l"/>
+                <a:tab pos="7292975" algn="l"/>
+                <a:tab pos="7742238" algn="l"/>
+                <a:tab pos="8191500" algn="l"/>
+                <a:tab pos="8640763" algn="l"/>
+                <a:tab pos="8686800" algn="l"/>
+              </a:tabLst>
+            </a:pPr>
+            <a:endParaRPr lang="ru-RU" altLang="ru-RU" dirty="0" smtClean="0">
+              <a:latin typeface="Calibri" panose="020F0502020204030204" pitchFamily="34" charset="0"/>
+            </a:endParaRPr>
+          </a:p>
+          <a:p>
+            <a:pPr marL="0" indent="0">
+              <a:buSzPct val="45000"/>
+              <a:buNone/>
+              <a:tabLst>
+                <a:tab pos="0" algn="l"/>
+                <a:tab pos="104775" algn="l"/>
+                <a:tab pos="554038" algn="l"/>
+                <a:tab pos="1003300" algn="l"/>
+                <a:tab pos="1452563" algn="l"/>
+                <a:tab pos="1901825" algn="l"/>
+                <a:tab pos="2351088" algn="l"/>
+                <a:tab pos="2800350" algn="l"/>
+                <a:tab pos="3249613" algn="l"/>
+                <a:tab pos="3698875" algn="l"/>
+                <a:tab pos="4148138" algn="l"/>
+                <a:tab pos="4597400" algn="l"/>
+                <a:tab pos="5046663" algn="l"/>
+                <a:tab pos="5495925" algn="l"/>
+                <a:tab pos="5945188" algn="l"/>
+                <a:tab pos="6394450" algn="l"/>
+                <a:tab pos="6843713" algn="l"/>
+                <a:tab pos="7292975" algn="l"/>
+                <a:tab pos="7742238" algn="l"/>
+                <a:tab pos="8191500" algn="l"/>
+                <a:tab pos="8640763" algn="l"/>
+                <a:tab pos="8686800" algn="l"/>
+              </a:tabLst>
+            </a:pPr>
+            <a:r>
+              <a:rPr lang="en-US" altLang="ru-RU" dirty="0">
+                <a:latin typeface="Calibri" panose="020F0502020204030204" pitchFamily="34" charset="0"/>
+              </a:rPr>
+              <a:t>input/   # gets an input from user and saves it to register F</a:t>
+            </a:r>
+          </a:p>
+          <a:p>
+            <a:pPr marL="0" indent="0">
+              <a:buSzPct val="45000"/>
+              <a:buNone/>
+              <a:tabLst>
+                <a:tab pos="0" algn="l"/>
+                <a:tab pos="104775" algn="l"/>
+                <a:tab pos="554038" algn="l"/>
+                <a:tab pos="1003300" algn="l"/>
+                <a:tab pos="1452563" algn="l"/>
+                <a:tab pos="1901825" algn="l"/>
+                <a:tab pos="2351088" algn="l"/>
+                <a:tab pos="2800350" algn="l"/>
+                <a:tab pos="3249613" algn="l"/>
+                <a:tab pos="3698875" algn="l"/>
+                <a:tab pos="4148138" algn="l"/>
+                <a:tab pos="4597400" algn="l"/>
+                <a:tab pos="5046663" algn="l"/>
+                <a:tab pos="5495925" algn="l"/>
+                <a:tab pos="5945188" algn="l"/>
+                <a:tab pos="6394450" algn="l"/>
+                <a:tab pos="6843713" algn="l"/>
+                <a:tab pos="7292975" algn="l"/>
+                <a:tab pos="7742238" algn="l"/>
+                <a:tab pos="8191500" algn="l"/>
+                <a:tab pos="8640763" algn="l"/>
+                <a:tab pos="8686800" algn="l"/>
+              </a:tabLst>
+            </a:pPr>
+            <a:r>
+              <a:rPr lang="en-US" altLang="ru-RU" dirty="0">
+                <a:latin typeface="Calibri" panose="020F0502020204030204" pitchFamily="34" charset="0"/>
+              </a:rPr>
+              <a:t>0/       # sets register I = 0</a:t>
+            </a:r>
+          </a:p>
+          <a:p>
+            <a:pPr marL="0" indent="0">
+              <a:buSzPct val="45000"/>
+              <a:buNone/>
+              <a:tabLst>
+                <a:tab pos="0" algn="l"/>
+                <a:tab pos="104775" algn="l"/>
+                <a:tab pos="554038" algn="l"/>
+                <a:tab pos="1003300" algn="l"/>
+                <a:tab pos="1452563" algn="l"/>
+                <a:tab pos="1901825" algn="l"/>
+                <a:tab pos="2351088" algn="l"/>
+                <a:tab pos="2800350" algn="l"/>
+                <a:tab pos="3249613" algn="l"/>
+                <a:tab pos="3698875" algn="l"/>
+                <a:tab pos="4148138" algn="l"/>
+                <a:tab pos="4597400" algn="l"/>
+                <a:tab pos="5046663" algn="l"/>
+                <a:tab pos="5495925" algn="l"/>
+                <a:tab pos="5945188" algn="l"/>
+                <a:tab pos="6394450" algn="l"/>
+                <a:tab pos="6843713" algn="l"/>
+                <a:tab pos="7292975" algn="l"/>
+                <a:tab pos="7742238" algn="l"/>
+                <a:tab pos="8191500" algn="l"/>
+                <a:tab pos="8640763" algn="l"/>
+                <a:tab pos="8686800" algn="l"/>
+              </a:tabLst>
+            </a:pPr>
+            <a:r>
+              <a:rPr lang="en-US" altLang="ru-RU" dirty="0">
+                <a:latin typeface="Calibri" panose="020F0502020204030204" pitchFamily="34" charset="0"/>
+              </a:rPr>
+              <a:t>save/    # saves content of F into data vector D[I] (i.e. D[0] := F)</a:t>
+            </a:r>
+          </a:p>
+          <a:p>
+            <a:pPr marL="0" indent="0">
+              <a:buSzPct val="45000"/>
+              <a:buNone/>
+              <a:tabLst>
+                <a:tab pos="0" algn="l"/>
+                <a:tab pos="104775" algn="l"/>
+                <a:tab pos="554038" algn="l"/>
+                <a:tab pos="1003300" algn="l"/>
+                <a:tab pos="1452563" algn="l"/>
+                <a:tab pos="1901825" algn="l"/>
+                <a:tab pos="2351088" algn="l"/>
+                <a:tab pos="2800350" algn="l"/>
+                <a:tab pos="3249613" algn="l"/>
+                <a:tab pos="3698875" algn="l"/>
+                <a:tab pos="4148138" algn="l"/>
+                <a:tab pos="4597400" algn="l"/>
+                <a:tab pos="5046663" algn="l"/>
+                <a:tab pos="5495925" algn="l"/>
+                <a:tab pos="5945188" algn="l"/>
+                <a:tab pos="6394450" algn="l"/>
+                <a:tab pos="6843713" algn="l"/>
+                <a:tab pos="7292975" algn="l"/>
+                <a:tab pos="7742238" algn="l"/>
+                <a:tab pos="8191500" algn="l"/>
+                <a:tab pos="8640763" algn="l"/>
+                <a:tab pos="8686800" algn="l"/>
+              </a:tabLst>
+            </a:pPr>
+            <a:r>
+              <a:rPr lang="en-US" altLang="ru-RU" dirty="0">
+                <a:latin typeface="Calibri" panose="020F0502020204030204" pitchFamily="34" charset="0"/>
+              </a:rPr>
+              <a:t>input/   # gets another input, saves to F</a:t>
+            </a:r>
+          </a:p>
+          <a:p>
+            <a:pPr marL="0" indent="0">
+              <a:buSzPct val="45000"/>
+              <a:buNone/>
+              <a:tabLst>
+                <a:tab pos="0" algn="l"/>
+                <a:tab pos="104775" algn="l"/>
+                <a:tab pos="554038" algn="l"/>
+                <a:tab pos="1003300" algn="l"/>
+                <a:tab pos="1452563" algn="l"/>
+                <a:tab pos="1901825" algn="l"/>
+                <a:tab pos="2351088" algn="l"/>
+                <a:tab pos="2800350" algn="l"/>
+                <a:tab pos="3249613" algn="l"/>
+                <a:tab pos="3698875" algn="l"/>
+                <a:tab pos="4148138" algn="l"/>
+                <a:tab pos="4597400" algn="l"/>
+                <a:tab pos="5046663" algn="l"/>
+                <a:tab pos="5495925" algn="l"/>
+                <a:tab pos="5945188" algn="l"/>
+                <a:tab pos="6394450" algn="l"/>
+                <a:tab pos="6843713" algn="l"/>
+                <a:tab pos="7292975" algn="l"/>
+                <a:tab pos="7742238" algn="l"/>
+                <a:tab pos="8191500" algn="l"/>
+                <a:tab pos="8640763" algn="l"/>
+                <a:tab pos="8686800" algn="l"/>
+              </a:tabLst>
+            </a:pPr>
+            <a:r>
+              <a:rPr lang="en-US" altLang="ru-RU" dirty="0">
+                <a:latin typeface="Calibri" panose="020F0502020204030204" pitchFamily="34" charset="0"/>
+              </a:rPr>
+              <a:t>add/     # adds to F current data pointed to by I (i.e. D[0] := F)</a:t>
+            </a:r>
+          </a:p>
+          <a:p>
+            <a:pPr marL="0" indent="0">
+              <a:buSzPct val="45000"/>
+              <a:buNone/>
+              <a:tabLst>
+                <a:tab pos="0" algn="l"/>
+                <a:tab pos="104775" algn="l"/>
+                <a:tab pos="554038" algn="l"/>
+                <a:tab pos="1003300" algn="l"/>
+                <a:tab pos="1452563" algn="l"/>
+                <a:tab pos="1901825" algn="l"/>
+                <a:tab pos="2351088" algn="l"/>
+                <a:tab pos="2800350" algn="l"/>
+                <a:tab pos="3249613" algn="l"/>
+                <a:tab pos="3698875" algn="l"/>
+                <a:tab pos="4148138" algn="l"/>
+                <a:tab pos="4597400" algn="l"/>
+                <a:tab pos="5046663" algn="l"/>
+                <a:tab pos="5495925" algn="l"/>
+                <a:tab pos="5945188" algn="l"/>
+                <a:tab pos="6394450" algn="l"/>
+                <a:tab pos="6843713" algn="l"/>
+                <a:tab pos="7292975" algn="l"/>
+                <a:tab pos="7742238" algn="l"/>
+                <a:tab pos="8191500" algn="l"/>
+                <a:tab pos="8640763" algn="l"/>
+                <a:tab pos="8686800" algn="l"/>
+              </a:tabLst>
+            </a:pPr>
+            <a:r>
+              <a:rPr lang="en-US" altLang="ru-RU" dirty="0">
+                <a:latin typeface="Calibri" panose="020F0502020204030204" pitchFamily="34" charset="0"/>
+              </a:rPr>
+              <a:t>output/. # outputs result from F</a:t>
+            </a:r>
+            <a:endParaRPr lang="ru-RU" altLang="ru-RU" dirty="0">
+              <a:latin typeface="Calibri" panose="020F0502020204030204" pitchFamily="34" charset="0"/>
+            </a:endParaRPr>
+          </a:p>
+        </p:txBody>
+      </p:sp>
+    </p:spTree>
+    <p:extLst>
+      <p:ext uri="{BB962C8B-B14F-4D97-AF65-F5344CB8AC3E}">
+        <p14:creationId xmlns:p14="http://schemas.microsoft.com/office/powerpoint/2010/main" val="2549579318"/>
+      </p:ext>
+    </p:extLst>
+  </p:cSld>
+  <p:clrMapOvr>
+    <a:masterClrMapping/>
+  </p:clrMapOvr>
+  <p:timing>
+    <p:tnLst>
+      <p:par>
+        <p:cTn id="1" dur="indefinite" restart="never" nodeType="tmRoot"/>
+      </p:par>
+    </p:tnLst>
+  </p:timing>
+</p:sld>
+</file>
+
+<file path=ppt/slides/slide33.xml><?xml version="1.0" encoding="utf-8"?>
+<p:sld xmlns:a="http://schemas.openxmlformats.org/drawingml/2006/main" xmlns:r="http://schemas.openxmlformats.org/officeDocument/2006/relationships" xmlns:p="http://schemas.openxmlformats.org/presentationml/2006/main">
+  <p:cSld>
+    <p:spTree>
+      <p:nvGrpSpPr>
+        <p:cNvPr id="1" name=""/>
+        <p:cNvGrpSpPr/>
+        <p:nvPr/>
+      </p:nvGrpSpPr>
+      <p:grpSpPr>
+        <a:xfrm>
+          <a:off x="0" y="0"/>
+          <a:ext cx="0" cy="0"/>
+          <a:chOff x="0" y="0"/>
+          <a:chExt cx="0" cy="0"/>
+        </a:xfrm>
+      </p:grpSpPr>
+      <p:sp>
+        <p:nvSpPr>
+          <p:cNvPr id="2" name="Заголовок 1"/>
+          <p:cNvSpPr>
+            <a:spLocks noGrp="1"/>
+          </p:cNvSpPr>
+          <p:nvPr>
+            <p:ph type="title"/>
+          </p:nvPr>
+        </p:nvSpPr>
+        <p:spPr/>
+        <p:txBody>
+          <a:bodyPr>
+            <a:normAutofit/>
+          </a:bodyPr>
+          <a:lstStyle/>
+          <a:p>
+            <a:r>
+              <a:rPr lang="ru-RU" sz="3600" dirty="0"/>
+              <a:t>Самомодифицирующийся код</a:t>
+            </a:r>
+          </a:p>
+        </p:txBody>
+      </p:sp>
+      <p:sp>
+        <p:nvSpPr>
+          <p:cNvPr id="3" name="Объект 2"/>
+          <p:cNvSpPr>
+            <a:spLocks noGrp="1"/>
+          </p:cNvSpPr>
+          <p:nvPr>
+            <p:ph idx="1"/>
+          </p:nvPr>
+        </p:nvSpPr>
+        <p:spPr/>
+        <p:txBody>
+          <a:bodyPr>
+            <a:normAutofit/>
+          </a:bodyPr>
+          <a:lstStyle/>
+          <a:p>
+            <a:pPr marL="0" indent="0">
+              <a:buSzPct val="45000"/>
+              <a:buNone/>
+              <a:tabLst>
+                <a:tab pos="0" algn="l"/>
+                <a:tab pos="104775" algn="l"/>
+                <a:tab pos="554038" algn="l"/>
+                <a:tab pos="1003300" algn="l"/>
+                <a:tab pos="1452563" algn="l"/>
+                <a:tab pos="1901825" algn="l"/>
+                <a:tab pos="2351088" algn="l"/>
+                <a:tab pos="2800350" algn="l"/>
+                <a:tab pos="3249613" algn="l"/>
+                <a:tab pos="3698875" algn="l"/>
+                <a:tab pos="4148138" algn="l"/>
+                <a:tab pos="4597400" algn="l"/>
+                <a:tab pos="5046663" algn="l"/>
+                <a:tab pos="5495925" algn="l"/>
+                <a:tab pos="5945188" algn="l"/>
+                <a:tab pos="6394450" algn="l"/>
+                <a:tab pos="6843713" algn="l"/>
+                <a:tab pos="7292975" algn="l"/>
+                <a:tab pos="7742238" algn="l"/>
+                <a:tab pos="8191500" algn="l"/>
+                <a:tab pos="8640763" algn="l"/>
+                <a:tab pos="8686800" algn="l"/>
+              </a:tabLst>
+            </a:pPr>
+            <a:endParaRPr lang="ru-RU" altLang="ru-RU" dirty="0">
+              <a:latin typeface="Calibri" panose="020F0502020204030204" pitchFamily="34" charset="0"/>
+            </a:endParaRPr>
+          </a:p>
+        </p:txBody>
+      </p:sp>
+    </p:spTree>
+    <p:extLst>
+      <p:ext uri="{BB962C8B-B14F-4D97-AF65-F5344CB8AC3E}">
+        <p14:creationId xmlns:p14="http://schemas.microsoft.com/office/powerpoint/2010/main" val="3931165042"/>
+      </p:ext>
+    </p:extLst>
+  </p:cSld>
+  <p:clrMapOvr>
+    <a:masterClrMapping/>
+  </p:clrMapOvr>
+  <p:timing>
+    <p:tnLst>
+      <p:par>
+        <p:cTn id="1" dur="indefinite" restart="never" nodeType="tmRoot"/>
+      </p:par>
+    </p:tnLst>
+  </p:timing>
+</p:sld>
+</file>
+
+<file path=ppt/slides/slide34.xml><?xml version="1.0" encoding="utf-8"?>
+<p:sld xmlns:a="http://schemas.openxmlformats.org/drawingml/2006/main" xmlns:r="http://schemas.openxmlformats.org/officeDocument/2006/relationships" xmlns:p="http://schemas.openxmlformats.org/presentationml/2006/main">
+  <p:cSld>
+    <p:spTree>
+      <p:nvGrpSpPr>
+        <p:cNvPr id="1" name=""/>
+        <p:cNvGrpSpPr/>
+        <p:nvPr/>
+      </p:nvGrpSpPr>
+      <p:grpSpPr>
+        <a:xfrm>
+          <a:off x="0" y="0"/>
+          <a:ext cx="0" cy="0"/>
+          <a:chOff x="0" y="0"/>
+          <a:chExt cx="0" cy="0"/>
+        </a:xfrm>
+      </p:grpSpPr>
+      <p:sp>
+        <p:nvSpPr>
+          <p:cNvPr id="2" name="Заголовок 1"/>
+          <p:cNvSpPr>
+            <a:spLocks noGrp="1"/>
+          </p:cNvSpPr>
+          <p:nvPr>
+            <p:ph type="title"/>
+          </p:nvPr>
+        </p:nvSpPr>
+        <p:spPr/>
+        <p:txBody>
+          <a:bodyPr>
+            <a:normAutofit/>
+          </a:bodyPr>
+          <a:lstStyle/>
+          <a:p>
+            <a:r>
+              <a:rPr lang="ru-RU" sz="3600" dirty="0"/>
+              <a:t>Роевой интеллект</a:t>
+            </a:r>
+          </a:p>
+        </p:txBody>
+      </p:sp>
+      <p:sp>
+        <p:nvSpPr>
+          <p:cNvPr id="3" name="Объект 2"/>
+          <p:cNvSpPr>
+            <a:spLocks noGrp="1"/>
+          </p:cNvSpPr>
+          <p:nvPr>
+            <p:ph idx="1"/>
+          </p:nvPr>
+        </p:nvSpPr>
+        <p:spPr/>
+        <p:txBody>
+          <a:bodyPr/>
+          <a:lstStyle/>
+          <a:p>
+            <a:pPr marL="0" indent="0">
+              <a:buSzPct val="45000"/>
+              <a:buNone/>
+              <a:tabLst>
+                <a:tab pos="0" algn="l"/>
+                <a:tab pos="104775" algn="l"/>
+                <a:tab pos="554038" algn="l"/>
+                <a:tab pos="1003300" algn="l"/>
+                <a:tab pos="1452563" algn="l"/>
+                <a:tab pos="1901825" algn="l"/>
+                <a:tab pos="2351088" algn="l"/>
+                <a:tab pos="2800350" algn="l"/>
+                <a:tab pos="3249613" algn="l"/>
+                <a:tab pos="3698875" algn="l"/>
+                <a:tab pos="4148138" algn="l"/>
+                <a:tab pos="4597400" algn="l"/>
+                <a:tab pos="5046663" algn="l"/>
+                <a:tab pos="5495925" algn="l"/>
+                <a:tab pos="5945188" algn="l"/>
+                <a:tab pos="6394450" algn="l"/>
+                <a:tab pos="6843713" algn="l"/>
+                <a:tab pos="7292975" algn="l"/>
+                <a:tab pos="7742238" algn="l"/>
+                <a:tab pos="8191500" algn="l"/>
+                <a:tab pos="8640763" algn="l"/>
+                <a:tab pos="8686800" algn="l"/>
+              </a:tabLst>
+            </a:pPr>
+            <a:endParaRPr lang="ru-RU" altLang="ru-RU" dirty="0">
+              <a:latin typeface="Calibri" panose="020F0502020204030204" pitchFamily="34" charset="0"/>
+            </a:endParaRPr>
+          </a:p>
+        </p:txBody>
+      </p:sp>
+    </p:spTree>
+    <p:extLst>
+      <p:ext uri="{BB962C8B-B14F-4D97-AF65-F5344CB8AC3E}">
+        <p14:creationId xmlns:p14="http://schemas.microsoft.com/office/powerpoint/2010/main" val="1861785511"/>
+      </p:ext>
+    </p:extLst>
+  </p:cSld>
+  <p:clrMapOvr>
+    <a:masterClrMapping/>
+  </p:clrMapOvr>
+  <p:timing>
+    <p:tnLst>
+      <p:par>
+        <p:cTn id="1" dur="indefinite" restart="never" nodeType="tmRoot"/>
+      </p:par>
+    </p:tnLst>
+  </p:timing>
+</p:sld>
+</file>
+
+<file path=ppt/slides/slide35.xml><?xml version="1.0" encoding="utf-8"?>
+<p:sld xmlns:a="http://schemas.openxmlformats.org/drawingml/2006/main" xmlns:r="http://schemas.openxmlformats.org/officeDocument/2006/relationships" xmlns:p="http://schemas.openxmlformats.org/presentationml/2006/main">
+  <p:cSld>
+    <p:spTree>
+      <p:nvGrpSpPr>
+        <p:cNvPr id="1" name=""/>
+        <p:cNvGrpSpPr/>
+        <p:nvPr/>
+      </p:nvGrpSpPr>
+      <p:grpSpPr>
+        <a:xfrm>
+          <a:off x="0" y="0"/>
+          <a:ext cx="0" cy="0"/>
+          <a:chOff x="0" y="0"/>
+          <a:chExt cx="0" cy="0"/>
+        </a:xfrm>
+      </p:grpSpPr>
+      <p:sp>
+        <p:nvSpPr>
+          <p:cNvPr id="2" name="Заголовок 1"/>
+          <p:cNvSpPr>
+            <a:spLocks noGrp="1"/>
+          </p:cNvSpPr>
+          <p:nvPr>
+            <p:ph type="title"/>
+          </p:nvPr>
+        </p:nvSpPr>
+        <p:spPr/>
+        <p:txBody>
           <a:bodyPr/>
           <a:lstStyle/>
           <a:p>
@@ -17400,7 +18573,7 @@
 </p:sld>
 </file>
 
-<file path=ppt/slides/slide32.xml><?xml version="1.0" encoding="utf-8"?>
+<file path=ppt/slides/slide36.xml><?xml version="1.0" encoding="utf-8"?>
 <p:sld xmlns:a="http://schemas.openxmlformats.org/drawingml/2006/main" xmlns:r="http://schemas.openxmlformats.org/officeDocument/2006/relationships" xmlns:p="http://schemas.openxmlformats.org/presentationml/2006/main">
   <p:cSld>
     <p:spTree>
@@ -19635,8 +20808,8 @@
           </a:p>
         </p:txBody>
       </p:sp>
-      <mc:AlternateContent xmlns:mc="http://schemas.openxmlformats.org/markup-compatibility/2006">
-        <mc:Choice xmlns:a14="http://schemas.microsoft.com/office/drawing/2010/main" Requires="a14">
+      <mc:AlternateContent xmlns:mc="http://schemas.openxmlformats.org/markup-compatibility/2006" xmlns:a14="http://schemas.microsoft.com/office/drawing/2010/main">
+        <mc:Choice Requires="a14">
           <p:sp>
             <p:nvSpPr>
               <p:cNvPr id="3" name="Объект 2"/>
@@ -19687,13 +20860,7 @@
                   <a:rPr lang="ru-RU" altLang="ru-RU" dirty="0" smtClean="0">
                     <a:latin typeface="Calibri" panose="020F0502020204030204" pitchFamily="34" charset="0"/>
                   </a:rPr>
-                  <a:t>Каждый объект в популяции задается набором параметров, от которых зависит приспособленность, т.е</a:t>
-                </a:r>
-                <a:r>
-                  <a:rPr lang="ru-RU" altLang="ru-RU" dirty="0" smtClean="0">
-                    <a:latin typeface="Calibri" panose="020F0502020204030204" pitchFamily="34" charset="0"/>
-                  </a:rPr>
-                  <a:t>.:</a:t>
+                  <a:t>Каждый объект в популяции задается набором параметров, от которых зависит приспособленность, т.е.:</a:t>
                 </a:r>
                 <a:endParaRPr lang="ru-RU" altLang="ru-RU" dirty="0">
                   <a:latin typeface="Calibri" panose="020F0502020204030204" pitchFamily="34" charset="0"/>
@@ -19959,7 +21126,7 @@
             </p:txBody>
           </p:sp>
         </mc:Choice>
-        <mc:Fallback>
+        <mc:Fallback xmlns="">
           <p:sp>
             <p:nvSpPr>
               <p:cNvPr id="3" name="Объект 2"/>
@@ -20231,8 +21398,8 @@
           </a:p>
         </p:txBody>
       </p:sp>
-      <mc:AlternateContent xmlns:mc="http://schemas.openxmlformats.org/markup-compatibility/2006">
-        <mc:Choice xmlns:a14="http://schemas.microsoft.com/office/drawing/2010/main" Requires="a14">
+      <mc:AlternateContent xmlns:mc="http://schemas.openxmlformats.org/markup-compatibility/2006" xmlns:a14="http://schemas.microsoft.com/office/drawing/2010/main">
+        <mc:Choice Requires="a14">
           <p:sp>
             <p:nvSpPr>
               <p:cNvPr id="3" name="Объект 2"/>
@@ -20730,7 +21897,7 @@
             </p:txBody>
           </p:sp>
         </mc:Choice>
-        <mc:Fallback>
+        <mc:Fallback xmlns="">
           <p:sp>
             <p:nvSpPr>
               <p:cNvPr id="3" name="Объект 2"/>
@@ -20825,8 +21992,8 @@
           </a:p>
         </p:txBody>
       </p:sp>
-      <mc:AlternateContent xmlns:mc="http://schemas.openxmlformats.org/markup-compatibility/2006">
-        <mc:Choice xmlns:a14="http://schemas.microsoft.com/office/drawing/2010/main" Requires="a14">
+      <mc:AlternateContent xmlns:mc="http://schemas.openxmlformats.org/markup-compatibility/2006" xmlns:a14="http://schemas.microsoft.com/office/drawing/2010/main">
+        <mc:Choice Requires="a14">
           <p:sp>
             <p:nvSpPr>
               <p:cNvPr id="3" name="Объект 2"/>
@@ -21077,13 +22244,7 @@
                   <a:rPr lang="ru-RU" altLang="ru-RU" dirty="0" smtClean="0">
                     <a:latin typeface="Calibri" panose="020F0502020204030204" pitchFamily="34" charset="0"/>
                   </a:rPr>
-                  <a:t> с вероятностью </a:t>
-                </a:r>
-                <a:r>
-                  <a:rPr lang="ru-RU" altLang="ru-RU" dirty="0" smtClean="0">
-                    <a:latin typeface="Calibri" panose="020F0502020204030204" pitchFamily="34" charset="0"/>
-                  </a:rPr>
-                  <a:t>0,5,</a:t>
+                  <a:t> с вероятностью 0,5,</a:t>
                 </a:r>
                 <a:endParaRPr lang="ru-RU" altLang="ru-RU" dirty="0">
                   <a:latin typeface="Calibri" panose="020F0502020204030204" pitchFamily="34" charset="0"/>
@@ -21405,7 +22566,7 @@
             </p:txBody>
           </p:sp>
         </mc:Choice>
-        <mc:Fallback>
+        <mc:Fallback xmlns="">
           <p:sp>
             <p:nvSpPr>
               <p:cNvPr id="3" name="Объект 2"/>
@@ -21504,8 +22665,8 @@
           </a:p>
         </p:txBody>
       </p:sp>
-      <mc:AlternateContent xmlns:mc="http://schemas.openxmlformats.org/markup-compatibility/2006">
-        <mc:Choice xmlns:a14="http://schemas.microsoft.com/office/drawing/2010/main" Requires="a14">
+      <mc:AlternateContent xmlns:mc="http://schemas.openxmlformats.org/markup-compatibility/2006" xmlns:a14="http://schemas.microsoft.com/office/drawing/2010/main">
+        <mc:Choice Requires="a14">
           <p:sp>
             <p:nvSpPr>
               <p:cNvPr id="3" name="Объект 2"/>
@@ -21713,13 +22874,7 @@
                   <a:rPr lang="ru-RU" altLang="ru-RU" dirty="0" smtClean="0">
                     <a:latin typeface="Calibri" panose="020F0502020204030204" pitchFamily="34" charset="0"/>
                   </a:rPr>
-                  <a:t> </a:t>
-                </a:r>
-                <a:r>
-                  <a:rPr lang="ru-RU" altLang="ru-RU" dirty="0" smtClean="0">
-                    <a:latin typeface="Calibri" panose="020F0502020204030204" pitchFamily="34" charset="0"/>
-                  </a:rPr>
-                  <a:t>должна иметь прямую зависимость от приспособленности:</a:t>
+                  <a:t> должна иметь прямую зависимость от приспособленности:</a:t>
                 </a:r>
               </a:p>
               <a:p>
@@ -21923,7 +23078,7 @@
             </p:txBody>
           </p:sp>
         </mc:Choice>
-        <mc:Fallback>
+        <mc:Fallback xmlns="">
           <p:sp>
             <p:nvSpPr>
               <p:cNvPr id="3" name="Объект 2"/>

--- a/Лекция 15.pptx
+++ b/Лекция 15.pptx
@@ -5,7 +5,7 @@
     <p:sldMasterId id="2147483648" r:id="rId1"/>
   </p:sldMasterIdLst>
   <p:notesMasterIdLst>
-    <p:notesMasterId r:id="rId38"/>
+    <p:notesMasterId r:id="rId42"/>
   </p:notesMasterIdLst>
   <p:sldIdLst>
     <p:sldId id="256" r:id="rId2"/>
@@ -40,10 +40,14 @@
     <p:sldId id="386" r:id="rId31"/>
     <p:sldId id="387" r:id="rId32"/>
     <p:sldId id="373" r:id="rId33"/>
-    <p:sldId id="388" r:id="rId34"/>
-    <p:sldId id="374" r:id="rId35"/>
-    <p:sldId id="259" r:id="rId36"/>
-    <p:sldId id="260" r:id="rId37"/>
+    <p:sldId id="389" r:id="rId34"/>
+    <p:sldId id="388" r:id="rId35"/>
+    <p:sldId id="390" r:id="rId36"/>
+    <p:sldId id="374" r:id="rId37"/>
+    <p:sldId id="391" r:id="rId38"/>
+    <p:sldId id="392" r:id="rId39"/>
+    <p:sldId id="259" r:id="rId40"/>
+    <p:sldId id="260" r:id="rId41"/>
   </p:sldIdLst>
   <p:sldSz cx="12192000" cy="6858000"/>
   <p:notesSz cx="6858000" cy="9144000"/>
@@ -244,7 +248,7 @@
           <a:p>
             <a:fld id="{44DBC884-B382-4302-8488-D4E467EB670D}" type="datetimeFigureOut">
               <a:rPr lang="ru-RU" smtClean="0"/>
-              <a:t>06.04.2022</a:t>
+              <a:t>11.04.2022</a:t>
             </a:fld>
             <a:endParaRPr lang="ru-RU" dirty="0"/>
           </a:p>
@@ -643,7 +647,7 @@
           <a:p>
             <a:fld id="{9F4DF3D0-C105-404D-A43B-7CBA1B97B744}" type="datetimeFigureOut">
               <a:rPr lang="ru-RU" smtClean="0"/>
-              <a:t>06.04.2022</a:t>
+              <a:t>11.04.2022</a:t>
             </a:fld>
             <a:endParaRPr lang="ru-RU" dirty="0"/>
           </a:p>
@@ -813,7 +817,7 @@
           <a:p>
             <a:fld id="{9F4DF3D0-C105-404D-A43B-7CBA1B97B744}" type="datetimeFigureOut">
               <a:rPr lang="ru-RU" smtClean="0"/>
-              <a:t>06.04.2022</a:t>
+              <a:t>11.04.2022</a:t>
             </a:fld>
             <a:endParaRPr lang="ru-RU" dirty="0"/>
           </a:p>
@@ -993,7 +997,7 @@
           <a:p>
             <a:fld id="{9F4DF3D0-C105-404D-A43B-7CBA1B97B744}" type="datetimeFigureOut">
               <a:rPr lang="ru-RU" smtClean="0"/>
-              <a:t>06.04.2022</a:t>
+              <a:t>11.04.2022</a:t>
             </a:fld>
             <a:endParaRPr lang="ru-RU" dirty="0"/>
           </a:p>
@@ -1163,7 +1167,7 @@
           <a:p>
             <a:fld id="{9F4DF3D0-C105-404D-A43B-7CBA1B97B744}" type="datetimeFigureOut">
               <a:rPr lang="ru-RU" smtClean="0"/>
-              <a:t>06.04.2022</a:t>
+              <a:t>11.04.2022</a:t>
             </a:fld>
             <a:endParaRPr lang="ru-RU" dirty="0"/>
           </a:p>
@@ -1409,7 +1413,7 @@
           <a:p>
             <a:fld id="{9F4DF3D0-C105-404D-A43B-7CBA1B97B744}" type="datetimeFigureOut">
               <a:rPr lang="ru-RU" smtClean="0"/>
-              <a:t>06.04.2022</a:t>
+              <a:t>11.04.2022</a:t>
             </a:fld>
             <a:endParaRPr lang="ru-RU" dirty="0"/>
           </a:p>
@@ -1641,7 +1645,7 @@
           <a:p>
             <a:fld id="{9F4DF3D0-C105-404D-A43B-7CBA1B97B744}" type="datetimeFigureOut">
               <a:rPr lang="ru-RU" smtClean="0"/>
-              <a:t>06.04.2022</a:t>
+              <a:t>11.04.2022</a:t>
             </a:fld>
             <a:endParaRPr lang="ru-RU" dirty="0"/>
           </a:p>
@@ -2008,7 +2012,7 @@
           <a:p>
             <a:fld id="{9F4DF3D0-C105-404D-A43B-7CBA1B97B744}" type="datetimeFigureOut">
               <a:rPr lang="ru-RU" smtClean="0"/>
-              <a:t>06.04.2022</a:t>
+              <a:t>11.04.2022</a:t>
             </a:fld>
             <a:endParaRPr lang="ru-RU" dirty="0"/>
           </a:p>
@@ -2126,7 +2130,7 @@
           <a:p>
             <a:fld id="{9F4DF3D0-C105-404D-A43B-7CBA1B97B744}" type="datetimeFigureOut">
               <a:rPr lang="ru-RU" smtClean="0"/>
-              <a:t>06.04.2022</a:t>
+              <a:t>11.04.2022</a:t>
             </a:fld>
             <a:endParaRPr lang="ru-RU" dirty="0"/>
           </a:p>
@@ -2221,7 +2225,7 @@
           <a:p>
             <a:fld id="{9F4DF3D0-C105-404D-A43B-7CBA1B97B744}" type="datetimeFigureOut">
               <a:rPr lang="ru-RU" smtClean="0"/>
-              <a:t>06.04.2022</a:t>
+              <a:t>11.04.2022</a:t>
             </a:fld>
             <a:endParaRPr lang="ru-RU" dirty="0"/>
           </a:p>
@@ -2498,7 +2502,7 @@
           <a:p>
             <a:fld id="{9F4DF3D0-C105-404D-A43B-7CBA1B97B744}" type="datetimeFigureOut">
               <a:rPr lang="ru-RU" smtClean="0"/>
-              <a:t>06.04.2022</a:t>
+              <a:t>11.04.2022</a:t>
             </a:fld>
             <a:endParaRPr lang="ru-RU" dirty="0"/>
           </a:p>
@@ -2751,7 +2755,7 @@
           <a:p>
             <a:fld id="{9F4DF3D0-C105-404D-A43B-7CBA1B97B744}" type="datetimeFigureOut">
               <a:rPr lang="ru-RU" smtClean="0"/>
-              <a:t>06.04.2022</a:t>
+              <a:t>11.04.2022</a:t>
             </a:fld>
             <a:endParaRPr lang="ru-RU" dirty="0"/>
           </a:p>
@@ -2964,7 +2968,7 @@
           <a:p>
             <a:fld id="{9F4DF3D0-C105-404D-A43B-7CBA1B97B744}" type="datetimeFigureOut">
               <a:rPr lang="ru-RU" smtClean="0"/>
-              <a:t>06.04.2022</a:t>
+              <a:t>11.04.2022</a:t>
             </a:fld>
             <a:endParaRPr lang="ru-RU" dirty="0"/>
           </a:p>
@@ -16648,9 +16652,45 @@
         <p:spPr/>
         <p:txBody>
           <a:bodyPr>
-            <a:normAutofit lnSpcReduction="10000"/>
+            <a:normAutofit/>
           </a:bodyPr>
           <a:lstStyle/>
+          <a:p>
+            <a:pPr marL="0" indent="0" algn="just">
+              <a:buSzPct val="100000"/>
+              <a:buNone/>
+              <a:tabLst>
+                <a:tab pos="0" algn="l"/>
+                <a:tab pos="104775" algn="l"/>
+                <a:tab pos="554038" algn="l"/>
+                <a:tab pos="1003300" algn="l"/>
+                <a:tab pos="1452563" algn="l"/>
+                <a:tab pos="1901825" algn="l"/>
+                <a:tab pos="2351088" algn="l"/>
+                <a:tab pos="2800350" algn="l"/>
+                <a:tab pos="3249613" algn="l"/>
+                <a:tab pos="3698875" algn="l"/>
+                <a:tab pos="4148138" algn="l"/>
+                <a:tab pos="4597400" algn="l"/>
+                <a:tab pos="5046663" algn="l"/>
+                <a:tab pos="5495925" algn="l"/>
+                <a:tab pos="5945188" algn="l"/>
+                <a:tab pos="6394450" algn="l"/>
+                <a:tab pos="6843713" algn="l"/>
+                <a:tab pos="7292975" algn="l"/>
+                <a:tab pos="7742238" algn="l"/>
+                <a:tab pos="8191500" algn="l"/>
+                <a:tab pos="8640763" algn="l"/>
+                <a:tab pos="8686800" algn="l"/>
+              </a:tabLst>
+            </a:pPr>
+            <a:r>
+              <a:rPr lang="ru-RU" altLang="ru-RU" dirty="0" smtClean="0">
+                <a:latin typeface="Calibri" panose="020F0502020204030204" pitchFamily="34" charset="0"/>
+              </a:rPr>
+              <a:t>Примеры:</a:t>
+            </a:r>
+          </a:p>
           <a:p>
             <a:pPr algn="just">
               <a:buSzPct val="100000"/>
@@ -16683,7 +16723,13 @@
               <a:rPr lang="ru-RU" altLang="ru-RU" dirty="0" smtClean="0">
                 <a:latin typeface="Calibri" panose="020F0502020204030204" pitchFamily="34" charset="0"/>
               </a:rPr>
-              <a:t>Основанное на деревьях</a:t>
+              <a:t>Основанное </a:t>
+            </a:r>
+            <a:r>
+              <a:rPr lang="ru-RU" altLang="ru-RU" dirty="0" smtClean="0">
+                <a:latin typeface="Calibri" panose="020F0502020204030204" pitchFamily="34" charset="0"/>
+              </a:rPr>
+              <a:t>на деревьях</a:t>
             </a:r>
             <a:endParaRPr lang="en-US" altLang="ru-RU" dirty="0">
               <a:latin typeface="Calibri" panose="020F0502020204030204" pitchFamily="34" charset="0"/>
@@ -16761,30 +16807,9 @@
               </a:rPr>
               <a:t>Линейное</a:t>
             </a:r>
-            <a:r>
-              <a:rPr lang="en-US" altLang="ru-RU" dirty="0" smtClean="0">
-                <a:latin typeface="Calibri" panose="020F0502020204030204" pitchFamily="34" charset="0"/>
-              </a:rPr>
-              <a:t> </a:t>
-            </a:r>
-            <a:r>
-              <a:rPr lang="en-US" altLang="ru-RU" dirty="0">
-                <a:latin typeface="Calibri" panose="020F0502020204030204" pitchFamily="34" charset="0"/>
-              </a:rPr>
-              <a:t>(</a:t>
-            </a:r>
-            <a:r>
-              <a:rPr lang="en-US" altLang="ru-RU" dirty="0" err="1">
-                <a:latin typeface="Calibri" panose="020F0502020204030204" pitchFamily="34" charset="0"/>
-              </a:rPr>
-              <a:t>LGP</a:t>
-            </a:r>
-            <a:r>
-              <a:rPr lang="en-US" altLang="ru-RU" dirty="0">
-                <a:latin typeface="Calibri" panose="020F0502020204030204" pitchFamily="34" charset="0"/>
-              </a:rPr>
-              <a:t>)</a:t>
-            </a:r>
+            <a:endParaRPr lang="en-US" altLang="ru-RU" dirty="0">
+              <a:latin typeface="Calibri" panose="020F0502020204030204" pitchFamily="34" charset="0"/>
+            </a:endParaRPr>
           </a:p>
           <a:p>
             <a:pPr algn="just">
@@ -16815,263 +16840,10 @@
               </a:tabLst>
             </a:pPr>
             <a:r>
-              <a:rPr lang="en-US" altLang="ru-RU" dirty="0" smtClean="0">
+              <a:rPr lang="ru-RU" altLang="ru-RU" dirty="0" smtClean="0">
                 <a:latin typeface="Calibri" panose="020F0502020204030204" pitchFamily="34" charset="0"/>
               </a:rPr>
-              <a:t>Grammatical </a:t>
-            </a:r>
-            <a:r>
-              <a:rPr lang="en-US" altLang="ru-RU" dirty="0">
-                <a:latin typeface="Calibri" panose="020F0502020204030204" pitchFamily="34" charset="0"/>
-              </a:rPr>
-              <a:t>Evolution</a:t>
-            </a:r>
-          </a:p>
-          <a:p>
-            <a:pPr algn="just">
-              <a:buSzPct val="100000"/>
-              <a:tabLst>
-                <a:tab pos="0" algn="l"/>
-                <a:tab pos="104775" algn="l"/>
-                <a:tab pos="554038" algn="l"/>
-                <a:tab pos="1003300" algn="l"/>
-                <a:tab pos="1452563" algn="l"/>
-                <a:tab pos="1901825" algn="l"/>
-                <a:tab pos="2351088" algn="l"/>
-                <a:tab pos="2800350" algn="l"/>
-                <a:tab pos="3249613" algn="l"/>
-                <a:tab pos="3698875" algn="l"/>
-                <a:tab pos="4148138" algn="l"/>
-                <a:tab pos="4597400" algn="l"/>
-                <a:tab pos="5046663" algn="l"/>
-                <a:tab pos="5495925" algn="l"/>
-                <a:tab pos="5945188" algn="l"/>
-                <a:tab pos="6394450" algn="l"/>
-                <a:tab pos="6843713" algn="l"/>
-                <a:tab pos="7292975" algn="l"/>
-                <a:tab pos="7742238" algn="l"/>
-                <a:tab pos="8191500" algn="l"/>
-                <a:tab pos="8640763" algn="l"/>
-                <a:tab pos="8686800" algn="l"/>
-              </a:tabLst>
-            </a:pPr>
-            <a:r>
-              <a:rPr lang="en-US" altLang="ru-RU" dirty="0" smtClean="0">
-                <a:latin typeface="Calibri" panose="020F0502020204030204" pitchFamily="34" charset="0"/>
-              </a:rPr>
-              <a:t>Extended </a:t>
-            </a:r>
-            <a:r>
-              <a:rPr lang="en-US" altLang="ru-RU" dirty="0">
-                <a:latin typeface="Calibri" panose="020F0502020204030204" pitchFamily="34" charset="0"/>
-              </a:rPr>
-              <a:t>Compact Genetic Programming (</a:t>
-            </a:r>
-            <a:r>
-              <a:rPr lang="en-US" altLang="ru-RU" dirty="0" err="1">
-                <a:latin typeface="Calibri" panose="020F0502020204030204" pitchFamily="34" charset="0"/>
-              </a:rPr>
-              <a:t>ECGP</a:t>
-            </a:r>
-            <a:r>
-              <a:rPr lang="en-US" altLang="ru-RU" dirty="0">
-                <a:latin typeface="Calibri" panose="020F0502020204030204" pitchFamily="34" charset="0"/>
-              </a:rPr>
-              <a:t>)</a:t>
-            </a:r>
-          </a:p>
-          <a:p>
-            <a:pPr algn="just">
-              <a:buSzPct val="100000"/>
-              <a:tabLst>
-                <a:tab pos="0" algn="l"/>
-                <a:tab pos="104775" algn="l"/>
-                <a:tab pos="554038" algn="l"/>
-                <a:tab pos="1003300" algn="l"/>
-                <a:tab pos="1452563" algn="l"/>
-                <a:tab pos="1901825" algn="l"/>
-                <a:tab pos="2351088" algn="l"/>
-                <a:tab pos="2800350" algn="l"/>
-                <a:tab pos="3249613" algn="l"/>
-                <a:tab pos="3698875" algn="l"/>
-                <a:tab pos="4148138" algn="l"/>
-                <a:tab pos="4597400" algn="l"/>
-                <a:tab pos="5046663" algn="l"/>
-                <a:tab pos="5495925" algn="l"/>
-                <a:tab pos="5945188" algn="l"/>
-                <a:tab pos="6394450" algn="l"/>
-                <a:tab pos="6843713" algn="l"/>
-                <a:tab pos="7292975" algn="l"/>
-                <a:tab pos="7742238" algn="l"/>
-                <a:tab pos="8191500" algn="l"/>
-                <a:tab pos="8640763" algn="l"/>
-                <a:tab pos="8686800" algn="l"/>
-              </a:tabLst>
-            </a:pPr>
-            <a:r>
-              <a:rPr lang="en-US" altLang="ru-RU" dirty="0" smtClean="0">
-                <a:latin typeface="Calibri" panose="020F0502020204030204" pitchFamily="34" charset="0"/>
-              </a:rPr>
-              <a:t>Cartesian </a:t>
-            </a:r>
-            <a:r>
-              <a:rPr lang="en-US" altLang="ru-RU" dirty="0">
-                <a:latin typeface="Calibri" panose="020F0502020204030204" pitchFamily="34" charset="0"/>
-              </a:rPr>
-              <a:t>Genetic Programming (</a:t>
-            </a:r>
-            <a:r>
-              <a:rPr lang="en-US" altLang="ru-RU" dirty="0" err="1">
-                <a:latin typeface="Calibri" panose="020F0502020204030204" pitchFamily="34" charset="0"/>
-              </a:rPr>
-              <a:t>CGP</a:t>
-            </a:r>
-            <a:r>
-              <a:rPr lang="en-US" altLang="ru-RU" dirty="0">
-                <a:latin typeface="Calibri" panose="020F0502020204030204" pitchFamily="34" charset="0"/>
-              </a:rPr>
-              <a:t>)</a:t>
-            </a:r>
-          </a:p>
-          <a:p>
-            <a:pPr algn="just">
-              <a:buSzPct val="100000"/>
-              <a:tabLst>
-                <a:tab pos="0" algn="l"/>
-                <a:tab pos="104775" algn="l"/>
-                <a:tab pos="554038" algn="l"/>
-                <a:tab pos="1003300" algn="l"/>
-                <a:tab pos="1452563" algn="l"/>
-                <a:tab pos="1901825" algn="l"/>
-                <a:tab pos="2351088" algn="l"/>
-                <a:tab pos="2800350" algn="l"/>
-                <a:tab pos="3249613" algn="l"/>
-                <a:tab pos="3698875" algn="l"/>
-                <a:tab pos="4148138" algn="l"/>
-                <a:tab pos="4597400" algn="l"/>
-                <a:tab pos="5046663" algn="l"/>
-                <a:tab pos="5495925" algn="l"/>
-                <a:tab pos="5945188" algn="l"/>
-                <a:tab pos="6394450" algn="l"/>
-                <a:tab pos="6843713" algn="l"/>
-                <a:tab pos="7292975" algn="l"/>
-                <a:tab pos="7742238" algn="l"/>
-                <a:tab pos="8191500" algn="l"/>
-                <a:tab pos="8640763" algn="l"/>
-                <a:tab pos="8686800" algn="l"/>
-              </a:tabLst>
-            </a:pPr>
-            <a:r>
-              <a:rPr lang="en-US" altLang="ru-RU" dirty="0" smtClean="0">
-                <a:latin typeface="Calibri" panose="020F0502020204030204" pitchFamily="34" charset="0"/>
-              </a:rPr>
-              <a:t>Probabilistic </a:t>
-            </a:r>
-            <a:r>
-              <a:rPr lang="en-US" altLang="ru-RU" dirty="0">
-                <a:latin typeface="Calibri" panose="020F0502020204030204" pitchFamily="34" charset="0"/>
-              </a:rPr>
-              <a:t>Incremental Program Evolution (PIPE)</a:t>
-            </a:r>
-          </a:p>
-          <a:p>
-            <a:pPr algn="just">
-              <a:buSzPct val="100000"/>
-              <a:tabLst>
-                <a:tab pos="0" algn="l"/>
-                <a:tab pos="104775" algn="l"/>
-                <a:tab pos="554038" algn="l"/>
-                <a:tab pos="1003300" algn="l"/>
-                <a:tab pos="1452563" algn="l"/>
-                <a:tab pos="1901825" algn="l"/>
-                <a:tab pos="2351088" algn="l"/>
-                <a:tab pos="2800350" algn="l"/>
-                <a:tab pos="3249613" algn="l"/>
-                <a:tab pos="3698875" algn="l"/>
-                <a:tab pos="4148138" algn="l"/>
-                <a:tab pos="4597400" algn="l"/>
-                <a:tab pos="5046663" algn="l"/>
-                <a:tab pos="5495925" algn="l"/>
-                <a:tab pos="5945188" algn="l"/>
-                <a:tab pos="6394450" algn="l"/>
-                <a:tab pos="6843713" algn="l"/>
-                <a:tab pos="7292975" algn="l"/>
-                <a:tab pos="7742238" algn="l"/>
-                <a:tab pos="8191500" algn="l"/>
-                <a:tab pos="8640763" algn="l"/>
-                <a:tab pos="8686800" algn="l"/>
-              </a:tabLst>
-            </a:pPr>
-            <a:r>
-              <a:rPr lang="en-US" altLang="ru-RU" dirty="0" smtClean="0">
-                <a:latin typeface="Calibri" panose="020F0502020204030204" pitchFamily="34" charset="0"/>
-              </a:rPr>
-              <a:t>Strongly </a:t>
-            </a:r>
-            <a:r>
-              <a:rPr lang="en-US" altLang="ru-RU" dirty="0">
-                <a:latin typeface="Calibri" panose="020F0502020204030204" pitchFamily="34" charset="0"/>
-              </a:rPr>
-              <a:t>Typed Genetic Programming (</a:t>
-            </a:r>
-            <a:r>
-              <a:rPr lang="en-US" altLang="ru-RU" dirty="0" err="1">
-                <a:latin typeface="Calibri" panose="020F0502020204030204" pitchFamily="34" charset="0"/>
-              </a:rPr>
-              <a:t>STGP</a:t>
-            </a:r>
-            <a:r>
-              <a:rPr lang="en-US" altLang="ru-RU" dirty="0">
-                <a:latin typeface="Calibri" panose="020F0502020204030204" pitchFamily="34" charset="0"/>
-              </a:rPr>
-              <a:t>)</a:t>
-            </a:r>
-          </a:p>
-          <a:p>
-            <a:pPr algn="just">
-              <a:buSzPct val="100000"/>
-              <a:tabLst>
-                <a:tab pos="0" algn="l"/>
-                <a:tab pos="104775" algn="l"/>
-                <a:tab pos="554038" algn="l"/>
-                <a:tab pos="1003300" algn="l"/>
-                <a:tab pos="1452563" algn="l"/>
-                <a:tab pos="1901825" algn="l"/>
-                <a:tab pos="2351088" algn="l"/>
-                <a:tab pos="2800350" algn="l"/>
-                <a:tab pos="3249613" algn="l"/>
-                <a:tab pos="3698875" algn="l"/>
-                <a:tab pos="4148138" algn="l"/>
-                <a:tab pos="4597400" algn="l"/>
-                <a:tab pos="5046663" algn="l"/>
-                <a:tab pos="5495925" algn="l"/>
-                <a:tab pos="5945188" algn="l"/>
-                <a:tab pos="6394450" algn="l"/>
-                <a:tab pos="6843713" algn="l"/>
-                <a:tab pos="7292975" algn="l"/>
-                <a:tab pos="7742238" algn="l"/>
-                <a:tab pos="8191500" algn="l"/>
-                <a:tab pos="8640763" algn="l"/>
-                <a:tab pos="8686800" algn="l"/>
-              </a:tabLst>
-            </a:pPr>
-            <a:r>
-              <a:rPr lang="en-US" altLang="ru-RU" dirty="0" smtClean="0">
-                <a:latin typeface="Calibri" panose="020F0502020204030204" pitchFamily="34" charset="0"/>
-              </a:rPr>
-              <a:t>Genetic </a:t>
-            </a:r>
-            <a:r>
-              <a:rPr lang="en-US" altLang="ru-RU" dirty="0">
-                <a:latin typeface="Calibri" panose="020F0502020204030204" pitchFamily="34" charset="0"/>
-              </a:rPr>
-              <a:t>Improvement of Software for Multiple Objectives (GISMO</a:t>
-            </a:r>
-            <a:r>
-              <a:rPr lang="en-US" altLang="ru-RU" dirty="0" smtClean="0">
-                <a:latin typeface="Calibri" panose="020F0502020204030204" pitchFamily="34" charset="0"/>
-              </a:rPr>
-              <a:t>)</a:t>
+              <a:t>Грамматическая эволюция</a:t>
             </a:r>
             <a:endParaRPr lang="en-US" altLang="ru-RU" dirty="0">
               <a:latin typeface="Calibri" panose="020F0502020204030204" pitchFamily="34" charset="0"/>
@@ -17785,7 +17557,6 @@
               <a:rPr lang="ru-RU" sz="3600" dirty="0"/>
               <a:t>Генетическое программирование</a:t>
             </a:r>
-            <a:endParaRPr lang="ru-RU" sz="3600" dirty="0"/>
           </a:p>
         </p:txBody>
       </p:sp>
@@ -18257,66 +18028,93 @@
           <a:p>
             <a:r>
               <a:rPr lang="ru-RU" sz="3600" dirty="0"/>
-              <a:t>Самомодифицирующийся код</a:t>
+              <a:t>Генетическое программирование</a:t>
             </a:r>
           </a:p>
         </p:txBody>
       </p:sp>
       <p:sp>
         <p:nvSpPr>
-          <p:cNvPr id="3" name="Объект 2"/>
-          <p:cNvSpPr>
-            <a:spLocks noGrp="1"/>
-          </p:cNvSpPr>
-          <p:nvPr>
-            <p:ph idx="1"/>
-          </p:nvPr>
+          <p:cNvPr id="6" name="TextBox 5"/>
+          <p:cNvSpPr txBox="1"/>
+          <p:nvPr/>
         </p:nvSpPr>
-        <p:spPr/>
+        <p:spPr>
+          <a:xfrm>
+            <a:off x="600693" y="1528740"/>
+            <a:ext cx="4873831" cy="954107"/>
+          </a:xfrm>
+          <a:prstGeom prst="rect">
+            <a:avLst/>
+          </a:prstGeom>
+          <a:noFill/>
+        </p:spPr>
         <p:txBody>
-          <a:bodyPr>
-            <a:normAutofit/>
+          <a:bodyPr wrap="square" rtlCol="0">
+            <a:spAutoFit/>
           </a:bodyPr>
           <a:lstStyle/>
           <a:p>
-            <a:pPr marL="0" indent="0">
-              <a:buSzPct val="45000"/>
-              <a:buNone/>
-              <a:tabLst>
-                <a:tab pos="0" algn="l"/>
-                <a:tab pos="104775" algn="l"/>
-                <a:tab pos="554038" algn="l"/>
-                <a:tab pos="1003300" algn="l"/>
-                <a:tab pos="1452563" algn="l"/>
-                <a:tab pos="1901825" algn="l"/>
-                <a:tab pos="2351088" algn="l"/>
-                <a:tab pos="2800350" algn="l"/>
-                <a:tab pos="3249613" algn="l"/>
-                <a:tab pos="3698875" algn="l"/>
-                <a:tab pos="4148138" algn="l"/>
-                <a:tab pos="4597400" algn="l"/>
-                <a:tab pos="5046663" algn="l"/>
-                <a:tab pos="5495925" algn="l"/>
-                <a:tab pos="5945188" algn="l"/>
-                <a:tab pos="6394450" algn="l"/>
-                <a:tab pos="6843713" algn="l"/>
-                <a:tab pos="7292975" algn="l"/>
-                <a:tab pos="7742238" algn="l"/>
-                <a:tab pos="8191500" algn="l"/>
-                <a:tab pos="8640763" algn="l"/>
-                <a:tab pos="8686800" algn="l"/>
-              </a:tabLst>
-            </a:pPr>
-            <a:endParaRPr lang="ru-RU" altLang="ru-RU" dirty="0">
-              <a:latin typeface="Calibri" panose="020F0502020204030204" pitchFamily="34" charset="0"/>
-            </a:endParaRPr>
+            <a:r>
+              <a:rPr lang="ru-RU" altLang="ru-RU" sz="2800" dirty="0" smtClean="0">
+                <a:latin typeface="Calibri" panose="020F0502020204030204" pitchFamily="34" charset="0"/>
+              </a:rPr>
+              <a:t>Грамматическая эволюция</a:t>
+            </a:r>
+            <a:r>
+              <a:rPr lang="ru-RU" sz="2800" dirty="0" smtClean="0"/>
+              <a:t> – пакет </a:t>
+            </a:r>
+            <a:r>
+              <a:rPr lang="en-US" sz="2800" dirty="0" err="1" smtClean="0"/>
+              <a:t>gramEvol</a:t>
+            </a:r>
+            <a:r>
+              <a:rPr lang="ru-RU" sz="2800" dirty="0" smtClean="0"/>
+              <a:t> в </a:t>
+            </a:r>
+            <a:r>
+              <a:rPr lang="en-US" sz="2800" dirty="0" smtClean="0"/>
+              <a:t>R</a:t>
+            </a:r>
+            <a:endParaRPr lang="ru-RU" sz="2800" dirty="0"/>
           </a:p>
         </p:txBody>
       </p:sp>
+      <p:pic>
+        <p:nvPicPr>
+          <p:cNvPr id="3" name="Рисунок 2"/>
+          <p:cNvPicPr>
+            <a:picLocks noChangeAspect="1"/>
+          </p:cNvPicPr>
+          <p:nvPr/>
+        </p:nvPicPr>
+        <p:blipFill>
+          <a:blip r:embed="rId2">
+            <a:extLst>
+              <a:ext uri="{28A0092B-C50C-407E-A947-70E740481C1C}">
+                <a14:useLocalDpi xmlns:a14="http://schemas.microsoft.com/office/drawing/2010/main" val="0"/>
+              </a:ext>
+            </a:extLst>
+          </a:blip>
+          <a:stretch>
+            <a:fillRect/>
+          </a:stretch>
+        </p:blipFill>
+        <p:spPr>
+          <a:xfrm>
+            <a:off x="2967965" y="2879458"/>
+            <a:ext cx="6256070" cy="3497592"/>
+          </a:xfrm>
+          <a:prstGeom prst="rect">
+            <a:avLst/>
+          </a:prstGeom>
+        </p:spPr>
+      </p:pic>
     </p:spTree>
     <p:extLst>
       <p:ext uri="{BB962C8B-B14F-4D97-AF65-F5344CB8AC3E}">
-        <p14:creationId xmlns:p14="http://schemas.microsoft.com/office/powerpoint/2010/main" val="3931165042"/>
+        <p14:creationId xmlns:p14="http://schemas.microsoft.com/office/powerpoint/2010/main" val="742428598"/>
       </p:ext>
     </p:extLst>
   </p:cSld>
@@ -18369,7 +18167,7 @@
           <a:p>
             <a:r>
               <a:rPr lang="ru-RU" sz="3600" dirty="0"/>
-              <a:t>Роевой интеллект</a:t>
+              <a:t>Самомодифицирующийся код</a:t>
             </a:r>
           </a:p>
         </p:txBody>
@@ -18386,10 +18184,48 @@
         </p:nvSpPr>
         <p:spPr/>
         <p:txBody>
-          <a:bodyPr/>
+          <a:bodyPr>
+            <a:normAutofit/>
+          </a:bodyPr>
           <a:lstStyle/>
           <a:p>
-            <a:pPr marL="0" indent="0">
+            <a:pPr marL="0" indent="0" algn="just">
+              <a:buSzPct val="45000"/>
+              <a:buNone/>
+              <a:tabLst>
+                <a:tab pos="0" algn="l"/>
+                <a:tab pos="104775" algn="l"/>
+                <a:tab pos="554038" algn="l"/>
+                <a:tab pos="1003300" algn="l"/>
+                <a:tab pos="1452563" algn="l"/>
+                <a:tab pos="1901825" algn="l"/>
+                <a:tab pos="2351088" algn="l"/>
+                <a:tab pos="2800350" algn="l"/>
+                <a:tab pos="3249613" algn="l"/>
+                <a:tab pos="3698875" algn="l"/>
+                <a:tab pos="4148138" algn="l"/>
+                <a:tab pos="4597400" algn="l"/>
+                <a:tab pos="5046663" algn="l"/>
+                <a:tab pos="5495925" algn="l"/>
+                <a:tab pos="5945188" algn="l"/>
+                <a:tab pos="6394450" algn="l"/>
+                <a:tab pos="6843713" algn="l"/>
+                <a:tab pos="7292975" algn="l"/>
+                <a:tab pos="7742238" algn="l"/>
+                <a:tab pos="8191500" algn="l"/>
+                <a:tab pos="8640763" algn="l"/>
+                <a:tab pos="8686800" algn="l"/>
+              </a:tabLst>
+            </a:pPr>
+            <a:r>
+              <a:rPr lang="ru-RU" altLang="ru-RU" dirty="0" smtClean="0">
+                <a:latin typeface="Calibri" panose="020F0502020204030204" pitchFamily="34" charset="0"/>
+              </a:rPr>
+              <a:t>Код, который может изменять сам себя в процессе выполнения.</a:t>
+            </a:r>
+          </a:p>
+          <a:p>
+            <a:pPr marL="0" indent="0" algn="just">
               <a:buSzPct val="45000"/>
               <a:buNone/>
               <a:tabLst>
@@ -18421,12 +18257,85 @@
               <a:latin typeface="Calibri" panose="020F0502020204030204" pitchFamily="34" charset="0"/>
             </a:endParaRPr>
           </a:p>
+          <a:p>
+            <a:pPr algn="just">
+              <a:buSzPct val="100000"/>
+              <a:tabLst>
+                <a:tab pos="0" algn="l"/>
+                <a:tab pos="104775" algn="l"/>
+                <a:tab pos="554038" algn="l"/>
+                <a:tab pos="1003300" algn="l"/>
+                <a:tab pos="1452563" algn="l"/>
+                <a:tab pos="1901825" algn="l"/>
+                <a:tab pos="2351088" algn="l"/>
+                <a:tab pos="2800350" algn="l"/>
+                <a:tab pos="3249613" algn="l"/>
+                <a:tab pos="3698875" algn="l"/>
+                <a:tab pos="4148138" algn="l"/>
+                <a:tab pos="4597400" algn="l"/>
+                <a:tab pos="5046663" algn="l"/>
+                <a:tab pos="5495925" algn="l"/>
+                <a:tab pos="5945188" algn="l"/>
+                <a:tab pos="6394450" algn="l"/>
+                <a:tab pos="6843713" algn="l"/>
+                <a:tab pos="7292975" algn="l"/>
+                <a:tab pos="7742238" algn="l"/>
+                <a:tab pos="8191500" algn="l"/>
+                <a:tab pos="8640763" algn="l"/>
+                <a:tab pos="8686800" algn="l"/>
+              </a:tabLst>
+            </a:pPr>
+            <a:r>
+              <a:rPr lang="ru-RU" altLang="ru-RU" dirty="0" smtClean="0">
+                <a:latin typeface="Calibri" panose="020F0502020204030204" pitchFamily="34" charset="0"/>
+              </a:rPr>
+              <a:t>во время инициализации (выбор из готовых вариантов)</a:t>
+            </a:r>
+          </a:p>
+          <a:p>
+            <a:pPr algn="just">
+              <a:buSzPct val="100000"/>
+              <a:tabLst>
+                <a:tab pos="0" algn="l"/>
+                <a:tab pos="104775" algn="l"/>
+                <a:tab pos="554038" algn="l"/>
+                <a:tab pos="1003300" algn="l"/>
+                <a:tab pos="1452563" algn="l"/>
+                <a:tab pos="1901825" algn="l"/>
+                <a:tab pos="2351088" algn="l"/>
+                <a:tab pos="2800350" algn="l"/>
+                <a:tab pos="3249613" algn="l"/>
+                <a:tab pos="3698875" algn="l"/>
+                <a:tab pos="4148138" algn="l"/>
+                <a:tab pos="4597400" algn="l"/>
+                <a:tab pos="5046663" algn="l"/>
+                <a:tab pos="5495925" algn="l"/>
+                <a:tab pos="5945188" algn="l"/>
+                <a:tab pos="6394450" algn="l"/>
+                <a:tab pos="6843713" algn="l"/>
+                <a:tab pos="7292975" algn="l"/>
+                <a:tab pos="7742238" algn="l"/>
+                <a:tab pos="8191500" algn="l"/>
+                <a:tab pos="8640763" algn="l"/>
+                <a:tab pos="8686800" algn="l"/>
+              </a:tabLst>
+            </a:pPr>
+            <a:r>
+              <a:rPr lang="ru-RU" altLang="ru-RU" dirty="0" smtClean="0">
+                <a:latin typeface="Calibri" panose="020F0502020204030204" pitchFamily="34" charset="0"/>
+              </a:rPr>
+              <a:t>во время исполнения (непосредственное изменение инструкций)</a:t>
+            </a:r>
+            <a:endParaRPr lang="ru-RU" altLang="ru-RU" dirty="0">
+              <a:latin typeface="Calibri" panose="020F0502020204030204" pitchFamily="34" charset="0"/>
+            </a:endParaRPr>
+          </a:p>
         </p:txBody>
       </p:sp>
     </p:spTree>
     <p:extLst>
       <p:ext uri="{BB962C8B-B14F-4D97-AF65-F5344CB8AC3E}">
-        <p14:creationId xmlns:p14="http://schemas.microsoft.com/office/powerpoint/2010/main" val="1861785511"/>
+        <p14:creationId xmlns:p14="http://schemas.microsoft.com/office/powerpoint/2010/main" val="3931165042"/>
       </p:ext>
     </p:extLst>
   </p:cSld>
@@ -18472,14 +18381,15 @@
         </p:nvSpPr>
         <p:spPr/>
         <p:txBody>
-          <a:bodyPr/>
+          <a:bodyPr>
+            <a:normAutofit/>
+          </a:bodyPr>
           <a:lstStyle/>
           <a:p>
             <a:r>
-              <a:rPr lang="ru-RU" dirty="0" smtClean="0"/>
-              <a:t>Ссылки</a:t>
-            </a:r>
-            <a:endParaRPr lang="ru-RU" dirty="0"/>
+              <a:rPr lang="ru-RU" sz="3600" dirty="0"/>
+              <a:t>Самомодифицирующийся код</a:t>
+            </a:r>
           </a:p>
         </p:txBody>
       </p:sp>
@@ -18500,63 +18410,68 @@
           </a:bodyPr>
           <a:lstStyle/>
           <a:p>
-            <a:r>
-              <a:rPr lang="en-US" dirty="0"/>
-              <a:t>https://</a:t>
-            </a:r>
-            <a:r>
-              <a:rPr lang="en-US" dirty="0" err="1"/>
-              <a:t>basegroup.ru</a:t>
-            </a:r>
-            <a:r>
-              <a:rPr lang="en-US" dirty="0"/>
-              <a:t>/community/articles/</a:t>
-            </a:r>
-            <a:r>
-              <a:rPr lang="en-US" dirty="0" err="1"/>
-              <a:t>ga</a:t>
-            </a:r>
-            <a:r>
-              <a:rPr lang="en-US" dirty="0"/>
-              <a:t>-math</a:t>
-            </a:r>
-          </a:p>
-          <a:p>
-            <a:r>
-              <a:rPr lang="en-US" dirty="0"/>
-              <a:t>https://</a:t>
-            </a:r>
-            <a:r>
-              <a:rPr lang="en-US" dirty="0" err="1"/>
-              <a:t>habr.com</a:t>
-            </a:r>
-            <a:r>
-              <a:rPr lang="en-US" dirty="0"/>
-              <a:t>/</a:t>
-            </a:r>
-            <a:r>
-              <a:rPr lang="en-US" dirty="0" err="1"/>
-              <a:t>ru</a:t>
-            </a:r>
-            <a:r>
-              <a:rPr lang="en-US" dirty="0"/>
-              <a:t>/post/345950</a:t>
+            <a:pPr marL="0" indent="0">
+              <a:buNone/>
+            </a:pPr>
+            <a:r>
+              <a:rPr lang="ru-RU" dirty="0" smtClean="0"/>
+              <a:t>Применение:</a:t>
+            </a:r>
+          </a:p>
+          <a:p>
+            <a:r>
+              <a:rPr lang="ru-RU" dirty="0" smtClean="0"/>
+              <a:t>Полуавтоматическая оптимизация производительности</a:t>
             </a:r>
             <a:r>
               <a:rPr lang="en-US" dirty="0" smtClean="0"/>
-              <a:t>/</a:t>
-            </a:r>
-            <a:endParaRPr lang="ru-RU" dirty="0" smtClean="0"/>
-          </a:p>
-          <a:p>
-            <a:endParaRPr lang="en-US" dirty="0" smtClean="0"/>
+              <a:t>.</a:t>
+            </a:r>
+            <a:endParaRPr lang="en-US" dirty="0"/>
+          </a:p>
+          <a:p>
+            <a:r>
+              <a:rPr lang="ru-RU" dirty="0" smtClean="0"/>
+              <a:t>Адаптация кода в момент выполнения в соответствии с внешней информацией</a:t>
+            </a:r>
+            <a:r>
+              <a:rPr lang="en-US" dirty="0" smtClean="0"/>
+              <a:t>.</a:t>
+            </a:r>
+            <a:endParaRPr lang="en-US" dirty="0"/>
+          </a:p>
+          <a:p>
+            <a:r>
+              <a:rPr lang="ru-RU" dirty="0" smtClean="0"/>
+              <a:t>Встраивание внешних библиотек в исполняемый код.</a:t>
+            </a:r>
+            <a:endParaRPr lang="en-US" dirty="0"/>
+          </a:p>
+          <a:p>
+            <a:r>
+              <a:rPr lang="ru-RU" dirty="0" smtClean="0"/>
+              <a:t>Сокрытие или изменение кода для его защиты от внешних атак.</a:t>
+            </a:r>
+          </a:p>
+          <a:p>
+            <a:r>
+              <a:rPr lang="ru-RU" dirty="0" smtClean="0"/>
+              <a:t>Использование 100% ресурсов, например, оперативной памяти для тестирования или уничтожения информации.</a:t>
+            </a:r>
+          </a:p>
+          <a:p>
+            <a:r>
+              <a:rPr lang="ru-RU" dirty="0" smtClean="0"/>
+              <a:t>Сжатие кода до его исполнения.</a:t>
+            </a:r>
+            <a:endParaRPr lang="en-US" dirty="0"/>
           </a:p>
         </p:txBody>
       </p:sp>
     </p:spTree>
     <p:extLst>
       <p:ext uri="{BB962C8B-B14F-4D97-AF65-F5344CB8AC3E}">
-        <p14:creationId xmlns:p14="http://schemas.microsoft.com/office/powerpoint/2010/main" val="2236621087"/>
+        <p14:creationId xmlns:p14="http://schemas.microsoft.com/office/powerpoint/2010/main" val="670966375"/>
       </p:ext>
     </p:extLst>
   </p:cSld>
@@ -18600,31 +18515,599 @@
             <p:ph type="title"/>
           </p:nvPr>
         </p:nvSpPr>
-        <p:spPr>
-          <a:xfrm>
-            <a:off x="838200" y="2585810"/>
-            <a:ext cx="10515600" cy="1325563"/>
-          </a:xfrm>
-        </p:spPr>
+        <p:spPr/>
         <p:txBody>
           <a:bodyPr>
             <a:normAutofit/>
           </a:bodyPr>
           <a:lstStyle/>
           <a:p>
-            <a:pPr algn="ctr"/>
-            <a:r>
-              <a:rPr lang="ru-RU" sz="6000" dirty="0" smtClean="0"/>
-              <a:t>Спасибо за внимание</a:t>
-            </a:r>
-            <a:endParaRPr lang="ru-RU" sz="6000" dirty="0"/>
+            <a:r>
+              <a:rPr lang="ru-RU" sz="3600" dirty="0"/>
+              <a:t>Роевой интеллект</a:t>
+            </a:r>
+          </a:p>
+        </p:txBody>
+      </p:sp>
+      <p:sp>
+        <p:nvSpPr>
+          <p:cNvPr id="3" name="Объект 2"/>
+          <p:cNvSpPr>
+            <a:spLocks noGrp="1"/>
+          </p:cNvSpPr>
+          <p:nvPr>
+            <p:ph idx="1"/>
+          </p:nvPr>
+        </p:nvSpPr>
+        <p:spPr/>
+        <p:txBody>
+          <a:bodyPr/>
+          <a:lstStyle/>
+          <a:p>
+            <a:pPr marL="0" indent="0" algn="just">
+              <a:buSzPct val="45000"/>
+              <a:buNone/>
+              <a:tabLst>
+                <a:tab pos="0" algn="l"/>
+                <a:tab pos="104775" algn="l"/>
+                <a:tab pos="554038" algn="l"/>
+                <a:tab pos="1003300" algn="l"/>
+                <a:tab pos="1452563" algn="l"/>
+                <a:tab pos="1901825" algn="l"/>
+                <a:tab pos="2351088" algn="l"/>
+                <a:tab pos="2800350" algn="l"/>
+                <a:tab pos="3249613" algn="l"/>
+                <a:tab pos="3698875" algn="l"/>
+                <a:tab pos="4148138" algn="l"/>
+                <a:tab pos="4597400" algn="l"/>
+                <a:tab pos="5046663" algn="l"/>
+                <a:tab pos="5495925" algn="l"/>
+                <a:tab pos="5945188" algn="l"/>
+                <a:tab pos="6394450" algn="l"/>
+                <a:tab pos="6843713" algn="l"/>
+                <a:tab pos="7292975" algn="l"/>
+                <a:tab pos="7742238" algn="l"/>
+                <a:tab pos="8191500" algn="l"/>
+                <a:tab pos="8640763" algn="l"/>
+                <a:tab pos="8686800" algn="l"/>
+              </a:tabLst>
+            </a:pPr>
+            <a:r>
+              <a:rPr lang="ru-RU" altLang="ru-RU" dirty="0" smtClean="0">
+                <a:latin typeface="Calibri" panose="020F0502020204030204" pitchFamily="34" charset="0"/>
+              </a:rPr>
+              <a:t>Коллективное поведение множества децентрализованных, самоорганизующихся объектов.</a:t>
+            </a:r>
+          </a:p>
+          <a:p>
+            <a:pPr marL="0" indent="0" algn="just">
+              <a:buSzPct val="45000"/>
+              <a:buNone/>
+              <a:tabLst>
+                <a:tab pos="0" algn="l"/>
+                <a:tab pos="104775" algn="l"/>
+                <a:tab pos="554038" algn="l"/>
+                <a:tab pos="1003300" algn="l"/>
+                <a:tab pos="1452563" algn="l"/>
+                <a:tab pos="1901825" algn="l"/>
+                <a:tab pos="2351088" algn="l"/>
+                <a:tab pos="2800350" algn="l"/>
+                <a:tab pos="3249613" algn="l"/>
+                <a:tab pos="3698875" algn="l"/>
+                <a:tab pos="4148138" algn="l"/>
+                <a:tab pos="4597400" algn="l"/>
+                <a:tab pos="5046663" algn="l"/>
+                <a:tab pos="5495925" algn="l"/>
+                <a:tab pos="5945188" algn="l"/>
+                <a:tab pos="6394450" algn="l"/>
+                <a:tab pos="6843713" algn="l"/>
+                <a:tab pos="7292975" algn="l"/>
+                <a:tab pos="7742238" algn="l"/>
+                <a:tab pos="8191500" algn="l"/>
+                <a:tab pos="8640763" algn="l"/>
+                <a:tab pos="8686800" algn="l"/>
+              </a:tabLst>
+            </a:pPr>
+            <a:endParaRPr lang="ru-RU" altLang="ru-RU" dirty="0" smtClean="0">
+              <a:latin typeface="Calibri" panose="020F0502020204030204" pitchFamily="34" charset="0"/>
+            </a:endParaRPr>
+          </a:p>
+          <a:p>
+            <a:pPr marL="0" indent="0" algn="just">
+              <a:buSzPct val="45000"/>
+              <a:buNone/>
+              <a:tabLst>
+                <a:tab pos="0" algn="l"/>
+                <a:tab pos="104775" algn="l"/>
+                <a:tab pos="554038" algn="l"/>
+                <a:tab pos="1003300" algn="l"/>
+                <a:tab pos="1452563" algn="l"/>
+                <a:tab pos="1901825" algn="l"/>
+                <a:tab pos="2351088" algn="l"/>
+                <a:tab pos="2800350" algn="l"/>
+                <a:tab pos="3249613" algn="l"/>
+                <a:tab pos="3698875" algn="l"/>
+                <a:tab pos="4148138" algn="l"/>
+                <a:tab pos="4597400" algn="l"/>
+                <a:tab pos="5046663" algn="l"/>
+                <a:tab pos="5495925" algn="l"/>
+                <a:tab pos="5945188" algn="l"/>
+                <a:tab pos="6394450" algn="l"/>
+                <a:tab pos="6843713" algn="l"/>
+                <a:tab pos="7292975" algn="l"/>
+                <a:tab pos="7742238" algn="l"/>
+                <a:tab pos="8191500" algn="l"/>
+                <a:tab pos="8640763" algn="l"/>
+                <a:tab pos="8686800" algn="l"/>
+              </a:tabLst>
+            </a:pPr>
+            <a:r>
+              <a:rPr lang="ru-RU" altLang="ru-RU" dirty="0" smtClean="0">
+                <a:latin typeface="Calibri" panose="020F0502020204030204" pitchFamily="34" charset="0"/>
+              </a:rPr>
+              <a:t>Объекты локально взаимодействуют с внешней средой и друг другом.</a:t>
+            </a:r>
+            <a:endParaRPr lang="ru-RU" altLang="ru-RU" dirty="0">
+              <a:latin typeface="Calibri" panose="020F0502020204030204" pitchFamily="34" charset="0"/>
+            </a:endParaRPr>
           </a:p>
         </p:txBody>
       </p:sp>
     </p:spTree>
     <p:extLst>
       <p:ext uri="{BB962C8B-B14F-4D97-AF65-F5344CB8AC3E}">
-        <p14:creationId xmlns:p14="http://schemas.microsoft.com/office/powerpoint/2010/main" val="3287438502"/>
+        <p14:creationId xmlns:p14="http://schemas.microsoft.com/office/powerpoint/2010/main" val="1861785511"/>
+      </p:ext>
+    </p:extLst>
+  </p:cSld>
+  <p:clrMapOvr>
+    <a:masterClrMapping/>
+  </p:clrMapOvr>
+  <p:timing>
+    <p:tnLst>
+      <p:par>
+        <p:cTn id="1" dur="indefinite" restart="never" nodeType="tmRoot"/>
+      </p:par>
+    </p:tnLst>
+  </p:timing>
+</p:sld>
+</file>
+
+<file path=ppt/slides/slide37.xml><?xml version="1.0" encoding="utf-8"?>
+<p:sld xmlns:a="http://schemas.openxmlformats.org/drawingml/2006/main" xmlns:r="http://schemas.openxmlformats.org/officeDocument/2006/relationships" xmlns:p="http://schemas.openxmlformats.org/presentationml/2006/main">
+  <p:cSld>
+    <p:spTree>
+      <p:nvGrpSpPr>
+        <p:cNvPr id="1" name=""/>
+        <p:cNvGrpSpPr/>
+        <p:nvPr/>
+      </p:nvGrpSpPr>
+      <p:grpSpPr>
+        <a:xfrm>
+          <a:off x="0" y="0"/>
+          <a:ext cx="0" cy="0"/>
+          <a:chOff x="0" y="0"/>
+          <a:chExt cx="0" cy="0"/>
+        </a:xfrm>
+      </p:grpSpPr>
+      <p:sp>
+        <p:nvSpPr>
+          <p:cNvPr id="2" name="Заголовок 1"/>
+          <p:cNvSpPr>
+            <a:spLocks noGrp="1"/>
+          </p:cNvSpPr>
+          <p:nvPr>
+            <p:ph type="title"/>
+          </p:nvPr>
+        </p:nvSpPr>
+        <p:spPr/>
+        <p:txBody>
+          <a:bodyPr>
+            <a:normAutofit/>
+          </a:bodyPr>
+          <a:lstStyle/>
+          <a:p>
+            <a:r>
+              <a:rPr lang="ru-RU" sz="3600" dirty="0"/>
+              <a:t>Роевой интеллект</a:t>
+            </a:r>
+          </a:p>
+        </p:txBody>
+      </p:sp>
+      <p:sp>
+        <p:nvSpPr>
+          <p:cNvPr id="3" name="Объект 2"/>
+          <p:cNvSpPr>
+            <a:spLocks noGrp="1"/>
+          </p:cNvSpPr>
+          <p:nvPr>
+            <p:ph idx="1"/>
+          </p:nvPr>
+        </p:nvSpPr>
+        <p:spPr/>
+        <p:txBody>
+          <a:bodyPr/>
+          <a:lstStyle/>
+          <a:p>
+            <a:pPr marL="0" indent="0" algn="just">
+              <a:buSzPct val="45000"/>
+              <a:buNone/>
+              <a:tabLst>
+                <a:tab pos="0" algn="l"/>
+                <a:tab pos="104775" algn="l"/>
+                <a:tab pos="554038" algn="l"/>
+                <a:tab pos="1003300" algn="l"/>
+                <a:tab pos="1452563" algn="l"/>
+                <a:tab pos="1901825" algn="l"/>
+                <a:tab pos="2351088" algn="l"/>
+                <a:tab pos="2800350" algn="l"/>
+                <a:tab pos="3249613" algn="l"/>
+                <a:tab pos="3698875" algn="l"/>
+                <a:tab pos="4148138" algn="l"/>
+                <a:tab pos="4597400" algn="l"/>
+                <a:tab pos="5046663" algn="l"/>
+                <a:tab pos="5495925" algn="l"/>
+                <a:tab pos="5945188" algn="l"/>
+                <a:tab pos="6394450" algn="l"/>
+                <a:tab pos="6843713" algn="l"/>
+                <a:tab pos="7292975" algn="l"/>
+                <a:tab pos="7742238" algn="l"/>
+                <a:tab pos="8191500" algn="l"/>
+                <a:tab pos="8640763" algn="l"/>
+                <a:tab pos="8686800" algn="l"/>
+              </a:tabLst>
+            </a:pPr>
+            <a:r>
+              <a:rPr lang="ru-RU" altLang="ru-RU" dirty="0" smtClean="0">
+                <a:latin typeface="Calibri" panose="020F0502020204030204" pitchFamily="34" charset="0"/>
+              </a:rPr>
+              <a:t>Муравьиный алгоритм:</a:t>
+            </a:r>
+            <a:r>
+              <a:rPr lang="ru-RU" altLang="ru-RU" dirty="0">
+                <a:latin typeface="Calibri" panose="020F0502020204030204" pitchFamily="34" charset="0"/>
+              </a:rPr>
+              <a:t> </a:t>
+            </a:r>
+            <a:r>
+              <a:rPr lang="ru-RU" altLang="ru-RU" dirty="0" smtClean="0">
+                <a:latin typeface="Calibri" panose="020F0502020204030204" pitchFamily="34" charset="0"/>
+              </a:rPr>
+              <a:t>поиск кратчайшего пути в графе (задача коммивояжёра).</a:t>
+            </a:r>
+          </a:p>
+          <a:p>
+            <a:pPr marL="0" indent="0" algn="just">
+              <a:buSzPct val="45000"/>
+              <a:buNone/>
+              <a:tabLst>
+                <a:tab pos="0" algn="l"/>
+                <a:tab pos="104775" algn="l"/>
+                <a:tab pos="554038" algn="l"/>
+                <a:tab pos="1003300" algn="l"/>
+                <a:tab pos="1452563" algn="l"/>
+                <a:tab pos="1901825" algn="l"/>
+                <a:tab pos="2351088" algn="l"/>
+                <a:tab pos="2800350" algn="l"/>
+                <a:tab pos="3249613" algn="l"/>
+                <a:tab pos="3698875" algn="l"/>
+                <a:tab pos="4148138" algn="l"/>
+                <a:tab pos="4597400" algn="l"/>
+                <a:tab pos="5046663" algn="l"/>
+                <a:tab pos="5495925" algn="l"/>
+                <a:tab pos="5945188" algn="l"/>
+                <a:tab pos="6394450" algn="l"/>
+                <a:tab pos="6843713" algn="l"/>
+                <a:tab pos="7292975" algn="l"/>
+                <a:tab pos="7742238" algn="l"/>
+                <a:tab pos="8191500" algn="l"/>
+                <a:tab pos="8640763" algn="l"/>
+                <a:tab pos="8686800" algn="l"/>
+              </a:tabLst>
+            </a:pPr>
+            <a:r>
+              <a:rPr lang="ru-RU" altLang="ru-RU" dirty="0" smtClean="0">
+                <a:latin typeface="Calibri" panose="020F0502020204030204" pitchFamily="34" charset="0"/>
+              </a:rPr>
+              <a:t>Алгоритм является полиномиальным, но позволяет найти </a:t>
+            </a:r>
+            <a:r>
+              <a:rPr lang="ru-RU" altLang="ru-RU" dirty="0" err="1" smtClean="0">
+                <a:latin typeface="Calibri" panose="020F0502020204030204" pitchFamily="34" charset="0"/>
+              </a:rPr>
+              <a:t>суботимальное</a:t>
+            </a:r>
+            <a:r>
+              <a:rPr lang="ru-RU" altLang="ru-RU" dirty="0" smtClean="0">
+                <a:latin typeface="Calibri" panose="020F0502020204030204" pitchFamily="34" charset="0"/>
+              </a:rPr>
+              <a:t> решение.</a:t>
+            </a:r>
+            <a:endParaRPr lang="ru-RU" dirty="0"/>
+          </a:p>
+          <a:p>
+            <a:pPr marL="0" indent="0" algn="just">
+              <a:buSzPct val="45000"/>
+              <a:buNone/>
+              <a:tabLst>
+                <a:tab pos="0" algn="l"/>
+                <a:tab pos="104775" algn="l"/>
+                <a:tab pos="554038" algn="l"/>
+                <a:tab pos="1003300" algn="l"/>
+                <a:tab pos="1452563" algn="l"/>
+                <a:tab pos="1901825" algn="l"/>
+                <a:tab pos="2351088" algn="l"/>
+                <a:tab pos="2800350" algn="l"/>
+                <a:tab pos="3249613" algn="l"/>
+                <a:tab pos="3698875" algn="l"/>
+                <a:tab pos="4148138" algn="l"/>
+                <a:tab pos="4597400" algn="l"/>
+                <a:tab pos="5046663" algn="l"/>
+                <a:tab pos="5495925" algn="l"/>
+                <a:tab pos="5945188" algn="l"/>
+                <a:tab pos="6394450" algn="l"/>
+                <a:tab pos="6843713" algn="l"/>
+                <a:tab pos="7292975" algn="l"/>
+                <a:tab pos="7742238" algn="l"/>
+                <a:tab pos="8191500" algn="l"/>
+                <a:tab pos="8640763" algn="l"/>
+                <a:tab pos="8686800" algn="l"/>
+              </a:tabLst>
+            </a:pPr>
+            <a:endParaRPr lang="ru-RU" altLang="ru-RU" dirty="0" smtClean="0">
+              <a:latin typeface="Calibri" panose="020F0502020204030204" pitchFamily="34" charset="0"/>
+            </a:endParaRPr>
+          </a:p>
+        </p:txBody>
+      </p:sp>
+    </p:spTree>
+    <p:extLst>
+      <p:ext uri="{BB962C8B-B14F-4D97-AF65-F5344CB8AC3E}">
+        <p14:creationId xmlns:p14="http://schemas.microsoft.com/office/powerpoint/2010/main" val="1469908249"/>
+      </p:ext>
+    </p:extLst>
+  </p:cSld>
+  <p:clrMapOvr>
+    <a:masterClrMapping/>
+  </p:clrMapOvr>
+  <p:timing>
+    <p:tnLst>
+      <p:par>
+        <p:cTn id="1" dur="indefinite" restart="never" nodeType="tmRoot"/>
+      </p:par>
+    </p:tnLst>
+  </p:timing>
+</p:sld>
+</file>
+
+<file path=ppt/slides/slide38.xml><?xml version="1.0" encoding="utf-8"?>
+<p:sld xmlns:a="http://schemas.openxmlformats.org/drawingml/2006/main" xmlns:r="http://schemas.openxmlformats.org/officeDocument/2006/relationships" xmlns:p="http://schemas.openxmlformats.org/presentationml/2006/main">
+  <p:cSld>
+    <p:spTree>
+      <p:nvGrpSpPr>
+        <p:cNvPr id="1" name=""/>
+        <p:cNvGrpSpPr/>
+        <p:nvPr/>
+      </p:nvGrpSpPr>
+      <p:grpSpPr>
+        <a:xfrm>
+          <a:off x="0" y="0"/>
+          <a:ext cx="0" cy="0"/>
+          <a:chOff x="0" y="0"/>
+          <a:chExt cx="0" cy="0"/>
+        </a:xfrm>
+      </p:grpSpPr>
+      <p:sp>
+        <p:nvSpPr>
+          <p:cNvPr id="2" name="Заголовок 1"/>
+          <p:cNvSpPr>
+            <a:spLocks noGrp="1"/>
+          </p:cNvSpPr>
+          <p:nvPr>
+            <p:ph type="title"/>
+          </p:nvPr>
+        </p:nvSpPr>
+        <p:spPr/>
+        <p:txBody>
+          <a:bodyPr>
+            <a:normAutofit/>
+          </a:bodyPr>
+          <a:lstStyle/>
+          <a:p>
+            <a:r>
+              <a:rPr lang="ru-RU" sz="3600" dirty="0"/>
+              <a:t>Роевой интеллект</a:t>
+            </a:r>
+          </a:p>
+        </p:txBody>
+      </p:sp>
+      <p:pic>
+        <p:nvPicPr>
+          <p:cNvPr id="7" name="Рисунок 6"/>
+          <p:cNvPicPr>
+            <a:picLocks noChangeAspect="1"/>
+          </p:cNvPicPr>
+          <p:nvPr/>
+        </p:nvPicPr>
+        <p:blipFill>
+          <a:blip r:embed="rId2">
+            <a:extLst>
+              <a:ext uri="{28A0092B-C50C-407E-A947-70E740481C1C}">
+                <a14:useLocalDpi xmlns:a14="http://schemas.microsoft.com/office/drawing/2010/main" val="0"/>
+              </a:ext>
+            </a:extLst>
+          </a:blip>
+          <a:stretch>
+            <a:fillRect/>
+          </a:stretch>
+        </p:blipFill>
+        <p:spPr>
+          <a:xfrm>
+            <a:off x="2286000" y="1252104"/>
+            <a:ext cx="7620000" cy="5715000"/>
+          </a:xfrm>
+          <a:prstGeom prst="rect">
+            <a:avLst/>
+          </a:prstGeom>
+        </p:spPr>
+      </p:pic>
+    </p:spTree>
+    <p:extLst>
+      <p:ext uri="{BB962C8B-B14F-4D97-AF65-F5344CB8AC3E}">
+        <p14:creationId xmlns:p14="http://schemas.microsoft.com/office/powerpoint/2010/main" val="3643712174"/>
+      </p:ext>
+    </p:extLst>
+  </p:cSld>
+  <p:clrMapOvr>
+    <a:masterClrMapping/>
+  </p:clrMapOvr>
+  <p:timing>
+    <p:tnLst>
+      <p:par>
+        <p:cTn id="1" dur="indefinite" restart="never" nodeType="tmRoot"/>
+      </p:par>
+    </p:tnLst>
+  </p:timing>
+</p:sld>
+</file>
+
+<file path=ppt/slides/slide39.xml><?xml version="1.0" encoding="utf-8"?>
+<p:sld xmlns:a="http://schemas.openxmlformats.org/drawingml/2006/main" xmlns:r="http://schemas.openxmlformats.org/officeDocument/2006/relationships" xmlns:p="http://schemas.openxmlformats.org/presentationml/2006/main">
+  <p:cSld>
+    <p:spTree>
+      <p:nvGrpSpPr>
+        <p:cNvPr id="1" name=""/>
+        <p:cNvGrpSpPr/>
+        <p:nvPr/>
+      </p:nvGrpSpPr>
+      <p:grpSpPr>
+        <a:xfrm>
+          <a:off x="0" y="0"/>
+          <a:ext cx="0" cy="0"/>
+          <a:chOff x="0" y="0"/>
+          <a:chExt cx="0" cy="0"/>
+        </a:xfrm>
+      </p:grpSpPr>
+      <p:sp>
+        <p:nvSpPr>
+          <p:cNvPr id="2" name="Заголовок 1"/>
+          <p:cNvSpPr>
+            <a:spLocks noGrp="1"/>
+          </p:cNvSpPr>
+          <p:nvPr>
+            <p:ph type="title"/>
+          </p:nvPr>
+        </p:nvSpPr>
+        <p:spPr/>
+        <p:txBody>
+          <a:bodyPr/>
+          <a:lstStyle/>
+          <a:p>
+            <a:r>
+              <a:rPr lang="ru-RU" dirty="0" smtClean="0"/>
+              <a:t>Ссылки</a:t>
+            </a:r>
+            <a:endParaRPr lang="ru-RU" dirty="0"/>
+          </a:p>
+        </p:txBody>
+      </p:sp>
+      <p:sp>
+        <p:nvSpPr>
+          <p:cNvPr id="3" name="Объект 2"/>
+          <p:cNvSpPr>
+            <a:spLocks noGrp="1"/>
+          </p:cNvSpPr>
+          <p:nvPr>
+            <p:ph idx="1"/>
+          </p:nvPr>
+        </p:nvSpPr>
+        <p:spPr/>
+        <p:txBody>
+          <a:bodyPr>
+            <a:normAutofit/>
+          </a:bodyPr>
+          <a:lstStyle/>
+          <a:p>
+            <a:r>
+              <a:rPr lang="en-US" dirty="0"/>
+              <a:t>https://</a:t>
+            </a:r>
+            <a:r>
+              <a:rPr lang="en-US" dirty="0" err="1"/>
+              <a:t>basegroup.ru</a:t>
+            </a:r>
+            <a:r>
+              <a:rPr lang="en-US" dirty="0"/>
+              <a:t>/community/articles/</a:t>
+            </a:r>
+            <a:r>
+              <a:rPr lang="en-US" dirty="0" err="1"/>
+              <a:t>ga</a:t>
+            </a:r>
+            <a:r>
+              <a:rPr lang="en-US" dirty="0"/>
+              <a:t>-math</a:t>
+            </a:r>
+          </a:p>
+          <a:p>
+            <a:r>
+              <a:rPr lang="en-US" dirty="0"/>
+              <a:t>https://</a:t>
+            </a:r>
+            <a:r>
+              <a:rPr lang="en-US" dirty="0" err="1"/>
+              <a:t>habr.com</a:t>
+            </a:r>
+            <a:r>
+              <a:rPr lang="en-US" dirty="0"/>
+              <a:t>/</a:t>
+            </a:r>
+            <a:r>
+              <a:rPr lang="en-US" dirty="0" err="1"/>
+              <a:t>ru</a:t>
+            </a:r>
+            <a:r>
+              <a:rPr lang="en-US" dirty="0"/>
+              <a:t>/post/345950</a:t>
+            </a:r>
+            <a:r>
+              <a:rPr lang="en-US" dirty="0" smtClean="0"/>
+              <a:t>/</a:t>
+            </a:r>
+            <a:endParaRPr lang="ru-RU" dirty="0" smtClean="0"/>
+          </a:p>
+          <a:p>
+            <a:r>
+              <a:rPr lang="en-US" dirty="0"/>
+              <a:t>https://</a:t>
+            </a:r>
+            <a:r>
+              <a:rPr lang="en-US" dirty="0" err="1"/>
+              <a:t>habr.com</a:t>
+            </a:r>
+            <a:r>
+              <a:rPr lang="en-US" dirty="0"/>
+              <a:t>/</a:t>
+            </a:r>
+            <a:r>
+              <a:rPr lang="en-US" dirty="0" err="1"/>
+              <a:t>ru</a:t>
+            </a:r>
+            <a:r>
+              <a:rPr lang="en-US" dirty="0"/>
+              <a:t>/post/105302/</a:t>
+            </a:r>
+            <a:endParaRPr lang="ru-RU" dirty="0" smtClean="0"/>
+          </a:p>
+          <a:p>
+            <a:endParaRPr lang="en-US" dirty="0" smtClean="0"/>
+          </a:p>
+        </p:txBody>
+      </p:sp>
+    </p:spTree>
+    <p:extLst>
+      <p:ext uri="{BB962C8B-B14F-4D97-AF65-F5344CB8AC3E}">
+        <p14:creationId xmlns:p14="http://schemas.microsoft.com/office/powerpoint/2010/main" val="2236621087"/>
       </p:ext>
     </p:extLst>
   </p:cSld>
@@ -20767,6 +21250,74 @@
 </p:sld>
 </file>
 
+<file path=ppt/slides/slide40.xml><?xml version="1.0" encoding="utf-8"?>
+<p:sld xmlns:a="http://schemas.openxmlformats.org/drawingml/2006/main" xmlns:r="http://schemas.openxmlformats.org/officeDocument/2006/relationships" xmlns:p="http://schemas.openxmlformats.org/presentationml/2006/main">
+  <p:cSld>
+    <p:spTree>
+      <p:nvGrpSpPr>
+        <p:cNvPr id="1" name=""/>
+        <p:cNvGrpSpPr/>
+        <p:nvPr/>
+      </p:nvGrpSpPr>
+      <p:grpSpPr>
+        <a:xfrm>
+          <a:off x="0" y="0"/>
+          <a:ext cx="0" cy="0"/>
+          <a:chOff x="0" y="0"/>
+          <a:chExt cx="0" cy="0"/>
+        </a:xfrm>
+      </p:grpSpPr>
+      <p:sp>
+        <p:nvSpPr>
+          <p:cNvPr id="2" name="Заголовок 1"/>
+          <p:cNvSpPr>
+            <a:spLocks noGrp="1"/>
+          </p:cNvSpPr>
+          <p:nvPr>
+            <p:ph type="title"/>
+          </p:nvPr>
+        </p:nvSpPr>
+        <p:spPr>
+          <a:xfrm>
+            <a:off x="838200" y="2585810"/>
+            <a:ext cx="10515600" cy="1325563"/>
+          </a:xfrm>
+        </p:spPr>
+        <p:txBody>
+          <a:bodyPr>
+            <a:normAutofit/>
+          </a:bodyPr>
+          <a:lstStyle/>
+          <a:p>
+            <a:pPr algn="ctr"/>
+            <a:r>
+              <a:rPr lang="ru-RU" sz="6000" dirty="0" smtClean="0"/>
+              <a:t>Спасибо за внимание</a:t>
+            </a:r>
+            <a:endParaRPr lang="ru-RU" sz="6000" dirty="0"/>
+          </a:p>
+        </p:txBody>
+      </p:sp>
+    </p:spTree>
+    <p:extLst>
+      <p:ext uri="{BB962C8B-B14F-4D97-AF65-F5344CB8AC3E}">
+        <p14:creationId xmlns:p14="http://schemas.microsoft.com/office/powerpoint/2010/main" val="3287438502"/>
+      </p:ext>
+    </p:extLst>
+  </p:cSld>
+  <p:clrMapOvr>
+    <a:masterClrMapping/>
+  </p:clrMapOvr>
+  <p:timing>
+    <p:tnLst>
+      <p:par>
+        <p:cTn id="1" dur="indefinite" restart="never" nodeType="tmRoot"/>
+      </p:par>
+    </p:tnLst>
+  </p:timing>
+</p:sld>
+</file>
+
 <file path=ppt/slides/slide5.xml><?xml version="1.0" encoding="utf-8"?>
 <p:sld xmlns:a="http://schemas.openxmlformats.org/drawingml/2006/main" xmlns:r="http://schemas.openxmlformats.org/officeDocument/2006/relationships" xmlns:p="http://schemas.openxmlformats.org/presentationml/2006/main">
   <p:cSld>

--- a/Лекция 15.pptx
+++ b/Лекция 15.pptx
@@ -19073,6 +19073,25 @@
             <a:r>
               <a:rPr lang="en-US" dirty="0" smtClean="0"/>
               <a:t>/</a:t>
+            </a:r>
+            <a:endParaRPr lang="ru-RU" dirty="0" smtClean="0"/>
+          </a:p>
+          <a:p>
+            <a:r>
+              <a:rPr lang="en-US" dirty="0"/>
+              <a:t>https://</a:t>
+            </a:r>
+            <a:r>
+              <a:rPr lang="en-US" dirty="0" err="1"/>
+              <a:t>ru.abcdef.wiki</a:t>
+            </a:r>
+            <a:r>
+              <a:rPr lang="en-US" dirty="0"/>
+              <a:t>/wiki/</a:t>
+            </a:r>
+            <a:r>
+              <a:rPr lang="en-US"/>
+              <a:t>Genetic_programming</a:t>
             </a:r>
             <a:endParaRPr lang="ru-RU" dirty="0" smtClean="0"/>
           </a:p>

--- a/Лекция 15.pptx
+++ b/Лекция 15.pptx
@@ -248,7 +248,7 @@
           <a:p>
             <a:fld id="{44DBC884-B382-4302-8488-D4E467EB670D}" type="datetimeFigureOut">
               <a:rPr lang="ru-RU" smtClean="0"/>
-              <a:t>11.04.2022</a:t>
+              <a:t>10.05.2022</a:t>
             </a:fld>
             <a:endParaRPr lang="ru-RU" dirty="0"/>
           </a:p>
@@ -647,7 +647,7 @@
           <a:p>
             <a:fld id="{9F4DF3D0-C105-404D-A43B-7CBA1B97B744}" type="datetimeFigureOut">
               <a:rPr lang="ru-RU" smtClean="0"/>
-              <a:t>11.04.2022</a:t>
+              <a:t>10.05.2022</a:t>
             </a:fld>
             <a:endParaRPr lang="ru-RU" dirty="0"/>
           </a:p>
@@ -817,7 +817,7 @@
           <a:p>
             <a:fld id="{9F4DF3D0-C105-404D-A43B-7CBA1B97B744}" type="datetimeFigureOut">
               <a:rPr lang="ru-RU" smtClean="0"/>
-              <a:t>11.04.2022</a:t>
+              <a:t>10.05.2022</a:t>
             </a:fld>
             <a:endParaRPr lang="ru-RU" dirty="0"/>
           </a:p>
@@ -997,7 +997,7 @@
           <a:p>
             <a:fld id="{9F4DF3D0-C105-404D-A43B-7CBA1B97B744}" type="datetimeFigureOut">
               <a:rPr lang="ru-RU" smtClean="0"/>
-              <a:t>11.04.2022</a:t>
+              <a:t>10.05.2022</a:t>
             </a:fld>
             <a:endParaRPr lang="ru-RU" dirty="0"/>
           </a:p>
@@ -1167,7 +1167,7 @@
           <a:p>
             <a:fld id="{9F4DF3D0-C105-404D-A43B-7CBA1B97B744}" type="datetimeFigureOut">
               <a:rPr lang="ru-RU" smtClean="0"/>
-              <a:t>11.04.2022</a:t>
+              <a:t>10.05.2022</a:t>
             </a:fld>
             <a:endParaRPr lang="ru-RU" dirty="0"/>
           </a:p>
@@ -1413,7 +1413,7 @@
           <a:p>
             <a:fld id="{9F4DF3D0-C105-404D-A43B-7CBA1B97B744}" type="datetimeFigureOut">
               <a:rPr lang="ru-RU" smtClean="0"/>
-              <a:t>11.04.2022</a:t>
+              <a:t>10.05.2022</a:t>
             </a:fld>
             <a:endParaRPr lang="ru-RU" dirty="0"/>
           </a:p>
@@ -1645,7 +1645,7 @@
           <a:p>
             <a:fld id="{9F4DF3D0-C105-404D-A43B-7CBA1B97B744}" type="datetimeFigureOut">
               <a:rPr lang="ru-RU" smtClean="0"/>
-              <a:t>11.04.2022</a:t>
+              <a:t>10.05.2022</a:t>
             </a:fld>
             <a:endParaRPr lang="ru-RU" dirty="0"/>
           </a:p>
@@ -2012,7 +2012,7 @@
           <a:p>
             <a:fld id="{9F4DF3D0-C105-404D-A43B-7CBA1B97B744}" type="datetimeFigureOut">
               <a:rPr lang="ru-RU" smtClean="0"/>
-              <a:t>11.04.2022</a:t>
+              <a:t>10.05.2022</a:t>
             </a:fld>
             <a:endParaRPr lang="ru-RU" dirty="0"/>
           </a:p>
@@ -2130,7 +2130,7 @@
           <a:p>
             <a:fld id="{9F4DF3D0-C105-404D-A43B-7CBA1B97B744}" type="datetimeFigureOut">
               <a:rPr lang="ru-RU" smtClean="0"/>
-              <a:t>11.04.2022</a:t>
+              <a:t>10.05.2022</a:t>
             </a:fld>
             <a:endParaRPr lang="ru-RU" dirty="0"/>
           </a:p>
@@ -2225,7 +2225,7 @@
           <a:p>
             <a:fld id="{9F4DF3D0-C105-404D-A43B-7CBA1B97B744}" type="datetimeFigureOut">
               <a:rPr lang="ru-RU" smtClean="0"/>
-              <a:t>11.04.2022</a:t>
+              <a:t>10.05.2022</a:t>
             </a:fld>
             <a:endParaRPr lang="ru-RU" dirty="0"/>
           </a:p>
@@ -2502,7 +2502,7 @@
           <a:p>
             <a:fld id="{9F4DF3D0-C105-404D-A43B-7CBA1B97B744}" type="datetimeFigureOut">
               <a:rPr lang="ru-RU" smtClean="0"/>
-              <a:t>11.04.2022</a:t>
+              <a:t>10.05.2022</a:t>
             </a:fld>
             <a:endParaRPr lang="ru-RU" dirty="0"/>
           </a:p>
@@ -2755,7 +2755,7 @@
           <a:p>
             <a:fld id="{9F4DF3D0-C105-404D-A43B-7CBA1B97B744}" type="datetimeFigureOut">
               <a:rPr lang="ru-RU" smtClean="0"/>
-              <a:t>11.04.2022</a:t>
+              <a:t>10.05.2022</a:t>
             </a:fld>
             <a:endParaRPr lang="ru-RU" dirty="0"/>
           </a:p>
@@ -2968,7 +2968,7 @@
           <a:p>
             <a:fld id="{9F4DF3D0-C105-404D-A43B-7CBA1B97B744}" type="datetimeFigureOut">
               <a:rPr lang="ru-RU" smtClean="0"/>
-              <a:t>11.04.2022</a:t>
+              <a:t>10.05.2022</a:t>
             </a:fld>
             <a:endParaRPr lang="ru-RU" dirty="0"/>
           </a:p>
@@ -16723,13 +16723,7 @@
               <a:rPr lang="ru-RU" altLang="ru-RU" dirty="0" smtClean="0">
                 <a:latin typeface="Calibri" panose="020F0502020204030204" pitchFamily="34" charset="0"/>
               </a:rPr>
-              <a:t>Основанное </a:t>
-            </a:r>
-            <a:r>
-              <a:rPr lang="ru-RU" altLang="ru-RU" dirty="0" smtClean="0">
-                <a:latin typeface="Calibri" panose="020F0502020204030204" pitchFamily="34" charset="0"/>
-              </a:rPr>
-              <a:t>на деревьях</a:t>
+              <a:t>Основанное на деревьях</a:t>
             </a:r>
             <a:endParaRPr lang="en-US" altLang="ru-RU" dirty="0">
               <a:latin typeface="Calibri" panose="020F0502020204030204" pitchFamily="34" charset="0"/>
